--- a/docs/diagrams/SearchPruningSequenceDiagram.pptx
+++ b/docs/diagrams/SearchPruningSequenceDiagram.pptx
@@ -208,7 +208,7 @@
           <a:p>
             <a:fld id="{F5CC4B3F-88C1-4FFA-B1B6-F41C21DC6924}" type="datetimeFigureOut">
               <a:rPr lang="en-US" smtClean="0"/>
-              <a:t>10/18/2018</a:t>
+              <a:t>11/11/2018</a:t>
             </a:fld>
             <a:endParaRPr lang="en-US"/>
           </a:p>
@@ -738,7 +738,7 @@
           <a:p>
             <a:fld id="{78C97017-6FC3-485B-9764-EAC9E56C1D49}" type="datetimeFigureOut">
               <a:rPr lang="en-US" smtClean="0"/>
-              <a:t>10/18/2018</a:t>
+              <a:t>11/11/2018</a:t>
             </a:fld>
             <a:endParaRPr lang="en-US"/>
           </a:p>
@@ -906,7 +906,7 @@
           <a:p>
             <a:fld id="{78C97017-6FC3-485B-9764-EAC9E56C1D49}" type="datetimeFigureOut">
               <a:rPr lang="en-US" smtClean="0"/>
-              <a:t>10/18/2018</a:t>
+              <a:t>11/11/2018</a:t>
             </a:fld>
             <a:endParaRPr lang="en-US"/>
           </a:p>
@@ -1084,7 +1084,7 @@
           <a:p>
             <a:fld id="{78C97017-6FC3-485B-9764-EAC9E56C1D49}" type="datetimeFigureOut">
               <a:rPr lang="en-US" smtClean="0"/>
-              <a:t>10/18/2018</a:t>
+              <a:t>11/11/2018</a:t>
             </a:fld>
             <a:endParaRPr lang="en-US"/>
           </a:p>
@@ -1252,7 +1252,7 @@
           <a:p>
             <a:fld id="{78C97017-6FC3-485B-9764-EAC9E56C1D49}" type="datetimeFigureOut">
               <a:rPr lang="en-US" smtClean="0"/>
-              <a:t>10/18/2018</a:t>
+              <a:t>11/11/2018</a:t>
             </a:fld>
             <a:endParaRPr lang="en-US"/>
           </a:p>
@@ -1497,7 +1497,7 @@
           <a:p>
             <a:fld id="{78C97017-6FC3-485B-9764-EAC9E56C1D49}" type="datetimeFigureOut">
               <a:rPr lang="en-US" smtClean="0"/>
-              <a:t>10/18/2018</a:t>
+              <a:t>11/11/2018</a:t>
             </a:fld>
             <a:endParaRPr lang="en-US"/>
           </a:p>
@@ -1782,7 +1782,7 @@
           <a:p>
             <a:fld id="{78C97017-6FC3-485B-9764-EAC9E56C1D49}" type="datetimeFigureOut">
               <a:rPr lang="en-US" smtClean="0"/>
-              <a:t>10/18/2018</a:t>
+              <a:t>11/11/2018</a:t>
             </a:fld>
             <a:endParaRPr lang="en-US"/>
           </a:p>
@@ -2201,7 +2201,7 @@
           <a:p>
             <a:fld id="{78C97017-6FC3-485B-9764-EAC9E56C1D49}" type="datetimeFigureOut">
               <a:rPr lang="en-US" smtClean="0"/>
-              <a:t>10/18/2018</a:t>
+              <a:t>11/11/2018</a:t>
             </a:fld>
             <a:endParaRPr lang="en-US"/>
           </a:p>
@@ -2318,7 +2318,7 @@
           <a:p>
             <a:fld id="{78C97017-6FC3-485B-9764-EAC9E56C1D49}" type="datetimeFigureOut">
               <a:rPr lang="en-US" smtClean="0"/>
-              <a:t>10/18/2018</a:t>
+              <a:t>11/11/2018</a:t>
             </a:fld>
             <a:endParaRPr lang="en-US"/>
           </a:p>
@@ -2413,7 +2413,7 @@
           <a:p>
             <a:fld id="{78C97017-6FC3-485B-9764-EAC9E56C1D49}" type="datetimeFigureOut">
               <a:rPr lang="en-US" smtClean="0"/>
-              <a:t>10/18/2018</a:t>
+              <a:t>11/11/2018</a:t>
             </a:fld>
             <a:endParaRPr lang="en-US"/>
           </a:p>
@@ -2688,7 +2688,7 @@
           <a:p>
             <a:fld id="{78C97017-6FC3-485B-9764-EAC9E56C1D49}" type="datetimeFigureOut">
               <a:rPr lang="en-US" smtClean="0"/>
-              <a:t>10/18/2018</a:t>
+              <a:t>11/11/2018</a:t>
             </a:fld>
             <a:endParaRPr lang="en-US"/>
           </a:p>
@@ -2940,7 +2940,7 @@
           <a:p>
             <a:fld id="{78C97017-6FC3-485B-9764-EAC9E56C1D49}" type="datetimeFigureOut">
               <a:rPr lang="en-US" smtClean="0"/>
-              <a:t>10/18/2018</a:t>
+              <a:t>11/11/2018</a:t>
             </a:fld>
             <a:endParaRPr lang="en-US"/>
           </a:p>
@@ -3151,7 +3151,7 @@
           <a:p>
             <a:fld id="{78C97017-6FC3-485B-9764-EAC9E56C1D49}" type="datetimeFigureOut">
               <a:rPr lang="en-US" smtClean="0"/>
-              <a:t>10/18/2018</a:t>
+              <a:t>11/11/2018</a:t>
             </a:fld>
             <a:endParaRPr lang="en-US"/>
           </a:p>
@@ -3528,14 +3528,14 @@
       </p:grpSpPr>
       <p:sp>
         <p:nvSpPr>
-          <p:cNvPr id="56" name="Rectangle 65"/>
+          <p:cNvPr id="81" name="Rectangle 65"/>
           <p:cNvSpPr/>
           <p:nvPr/>
         </p:nvSpPr>
         <p:spPr>
           <a:xfrm>
-            <a:off x="8240995" y="1680738"/>
-            <a:ext cx="5932205" cy="4633306"/>
+            <a:off x="304993" y="258655"/>
+            <a:ext cx="7861903" cy="7498505"/>
           </a:xfrm>
           <a:prstGeom prst="roundRect">
             <a:avLst>
@@ -3543,7 +3543,7 @@
             </a:avLst>
           </a:prstGeom>
           <a:solidFill>
-            <a:schemeClr val="accent4">
+            <a:schemeClr val="accent1">
               <a:lumMod val="20000"/>
               <a:lumOff val="80000"/>
             </a:schemeClr>
@@ -3572,16 +3572,16 @@
           <a:lstStyle/>
           <a:p>
             <a:r>
-              <a:rPr lang="en-US" sz="1200" b="1" dirty="0">
+              <a:rPr lang="en-US" sz="1200" b="1">
                 <a:solidFill>
-                  <a:srgbClr val="7030A0"/>
+                  <a:srgbClr val="0070C0"/>
                 </a:solidFill>
               </a:rPr>
-              <a:t>Model</a:t>
+              <a:t>Logic</a:t>
             </a:r>
             <a:endParaRPr lang="en-SG" sz="1200" b="1" dirty="0">
               <a:solidFill>
-                <a:srgbClr val="7030A0"/>
+                <a:srgbClr val="0070C0"/>
               </a:solidFill>
             </a:endParaRPr>
           </a:p>
@@ -3589,14 +3589,14 @@
       </p:sp>
       <p:sp>
         <p:nvSpPr>
-          <p:cNvPr id="81" name="Rectangle 65"/>
+          <p:cNvPr id="56" name="Rectangle 65"/>
           <p:cNvSpPr/>
           <p:nvPr/>
         </p:nvSpPr>
         <p:spPr>
           <a:xfrm>
-            <a:off x="457501" y="197694"/>
-            <a:ext cx="7570862" cy="6151027"/>
+            <a:off x="8240995" y="1680738"/>
+            <a:ext cx="7227605" cy="5786860"/>
           </a:xfrm>
           <a:prstGeom prst="roundRect">
             <a:avLst>
@@ -3604,7 +3604,7 @@
             </a:avLst>
           </a:prstGeom>
           <a:solidFill>
-            <a:schemeClr val="accent1">
+            <a:schemeClr val="accent4">
               <a:lumMod val="20000"/>
               <a:lumOff val="80000"/>
             </a:schemeClr>
@@ -3635,19 +3635,65 @@
             <a:r>
               <a:rPr lang="en-US" sz="1200" b="1" dirty="0">
                 <a:solidFill>
-                  <a:srgbClr val="0070C0"/>
+                  <a:srgbClr val="7030A0"/>
                 </a:solidFill>
               </a:rPr>
-              <a:t>Logic</a:t>
+              <a:t>Model</a:t>
             </a:r>
             <a:endParaRPr lang="en-SG" sz="1200" b="1" dirty="0">
               <a:solidFill>
-                <a:srgbClr val="0070C0"/>
+                <a:srgbClr val="7030A0"/>
               </a:solidFill>
             </a:endParaRPr>
           </a:p>
         </p:txBody>
       </p:sp>
+      <p:cxnSp>
+        <p:nvCxnSpPr>
+          <p:cNvPr id="106" name="Straight Connector 105">
+            <a:extLst>
+              <a:ext uri="{FF2B5EF4-FFF2-40B4-BE49-F238E27FC236}">
+                <a16:creationId xmlns:a16="http://schemas.microsoft.com/office/drawing/2014/main" id="{E74F9E3F-4D8A-4C66-A16E-1A7AF0993F92}"/>
+              </a:ext>
+            </a:extLst>
+          </p:cNvPr>
+          <p:cNvCxnSpPr>
+            <a:cxnSpLocks/>
+            <a:stCxn id="104" idx="2"/>
+          </p:cNvCxnSpPr>
+          <p:nvPr/>
+        </p:nvCxnSpPr>
+        <p:spPr>
+          <a:xfrm>
+            <a:off x="14453668" y="3574893"/>
+            <a:ext cx="0" cy="1854494"/>
+          </a:xfrm>
+          <a:prstGeom prst="line">
+            <a:avLst/>
+          </a:prstGeom>
+          <a:ln w="19050">
+            <a:solidFill>
+              <a:srgbClr val="7030A0"/>
+            </a:solidFill>
+            <a:prstDash val="sysDash"/>
+          </a:ln>
+          <a:effectLst/>
+        </p:spPr>
+        <p:style>
+          <a:lnRef idx="1">
+            <a:schemeClr val="accent1"/>
+          </a:lnRef>
+          <a:fillRef idx="2">
+            <a:schemeClr val="accent1"/>
+          </a:fillRef>
+          <a:effectRef idx="1">
+            <a:schemeClr val="accent1"/>
+          </a:effectRef>
+          <a:fontRef idx="minor">
+            <a:schemeClr val="dk1"/>
+          </a:fontRef>
+        </p:style>
+      </p:cxnSp>
       <p:sp>
         <p:nvSpPr>
           <p:cNvPr id="2" name="Rectangle 62"/>
@@ -3718,7 +3764,7 @@
         <p:spPr>
           <a:xfrm>
             <a:off x="1610959" y="907617"/>
-            <a:ext cx="0" cy="5441104"/>
+            <a:ext cx="0" cy="6636183"/>
           </a:xfrm>
           <a:prstGeom prst="line">
             <a:avLst/>
@@ -3755,7 +3801,7 @@
         <p:spPr>
           <a:xfrm>
             <a:off x="1538951" y="1258311"/>
-            <a:ext cx="152400" cy="4837687"/>
+            <a:ext cx="152400" cy="5980685"/>
           </a:xfrm>
           <a:prstGeom prst="rect">
             <a:avLst/>
@@ -4285,8 +4331,8 @@
         </p:nvCxnSpPr>
         <p:spPr>
           <a:xfrm>
-            <a:off x="415466" y="6096000"/>
-            <a:ext cx="1196051" cy="0"/>
+            <a:off x="304993" y="7238996"/>
+            <a:ext cx="1305966" cy="0"/>
           </a:xfrm>
           <a:prstGeom prst="straightConnector1">
             <a:avLst/>
@@ -4323,8 +4369,8 @@
         </p:nvSpPr>
         <p:spPr>
           <a:xfrm>
-            <a:off x="7001478" y="2731312"/>
-            <a:ext cx="161322" cy="2983683"/>
+            <a:off x="7001478" y="2731313"/>
+            <a:ext cx="161322" cy="4153122"/>
           </a:xfrm>
           <a:prstGeom prst="rect">
             <a:avLst/>
@@ -4364,14 +4410,14 @@
       </p:sp>
       <p:sp>
         <p:nvSpPr>
-          <p:cNvPr id="79" name="TextBox 78"/>
+          <p:cNvPr id="80" name="TextBox 79"/>
           <p:cNvSpPr txBox="1"/>
           <p:nvPr/>
         </p:nvSpPr>
         <p:spPr>
           <a:xfrm>
-            <a:off x="8686800" y="2667000"/>
-            <a:ext cx="1819259" cy="184666"/>
+            <a:off x="1885189" y="1106150"/>
+            <a:ext cx="1899551" cy="215444"/>
           </a:xfrm>
           <a:prstGeom prst="rect">
             <a:avLst/>
@@ -4396,37 +4442,27 @@
           </a:lstStyle>
           <a:p>
             <a:r>
-              <a:rPr lang="en-US" sz="1200">
-                <a:solidFill>
-                  <a:schemeClr val="accent4">
-                    <a:lumMod val="75000"/>
-                  </a:schemeClr>
-                </a:solidFill>
-              </a:rPr>
-              <a:t>getSearchHistoryManager</a:t>
-            </a:r>
-            <a:r>
-              <a:rPr lang="en-US" sz="1200">
-                <a:solidFill>
-                  <a:srgbClr val="7030A0"/>
-                </a:solidFill>
-              </a:rPr>
-              <a:t>()</a:t>
-            </a:r>
-            <a:endParaRPr lang="en-US" sz="1200" dirty="0"/>
-          </a:p>
-        </p:txBody>
-      </p:sp>
-      <p:sp>
-        <p:nvSpPr>
-          <p:cNvPr id="80" name="TextBox 79"/>
+              <a:rPr lang="en-US" err="1"/>
+              <a:t>parseCommand</a:t>
+            </a:r>
+            <a:r>
+              <a:rPr lang="en-US"/>
+              <a:t>(“find”)</a:t>
+            </a:r>
+            <a:endParaRPr lang="en-US" dirty="0"/>
+          </a:p>
+        </p:txBody>
+      </p:sp>
+      <p:sp>
+        <p:nvSpPr>
+          <p:cNvPr id="82" name="TextBox 81"/>
           <p:cNvSpPr txBox="1"/>
           <p:nvPr/>
         </p:nvSpPr>
         <p:spPr>
           <a:xfrm>
-            <a:off x="1885189" y="1106150"/>
-            <a:ext cx="1899551" cy="215444"/>
+            <a:off x="3784058" y="6633440"/>
+            <a:ext cx="1309825" cy="215444"/>
           </a:xfrm>
           <a:prstGeom prst="rect">
             <a:avLst/>
@@ -4451,12 +4487,8 @@
           </a:lstStyle>
           <a:p>
             <a:r>
-              <a:rPr lang="en-US" err="1"/>
-              <a:t>parseCommand</a:t>
-            </a:r>
-            <a:r>
               <a:rPr lang="en-US"/>
-              <a:t>(“find”)</a:t>
+              <a:t>CommandResult</a:t>
             </a:r>
             <a:endParaRPr lang="en-US" dirty="0"/>
           </a:p>
@@ -4464,14 +4496,14 @@
       </p:sp>
       <p:sp>
         <p:nvSpPr>
-          <p:cNvPr id="82" name="TextBox 81"/>
+          <p:cNvPr id="83" name="TextBox 82"/>
           <p:cNvSpPr txBox="1"/>
           <p:nvPr/>
         </p:nvSpPr>
         <p:spPr>
           <a:xfrm>
-            <a:off x="3997151" y="5499556"/>
-            <a:ext cx="621216" cy="215444"/>
+            <a:off x="97787" y="6978746"/>
+            <a:ext cx="1407052" cy="215444"/>
           </a:xfrm>
           <a:prstGeom prst="rect">
             <a:avLst/>
@@ -4496,22 +4528,129 @@
           </a:lstStyle>
           <a:p>
             <a:r>
-              <a:rPr lang="en-US" dirty="0"/>
-              <a:t>result</a:t>
-            </a:r>
-          </a:p>
-        </p:txBody>
-      </p:sp>
-      <p:sp>
-        <p:nvSpPr>
-          <p:cNvPr id="83" name="TextBox 82"/>
+              <a:rPr lang="en-US"/>
+              <a:t>CommandResult</a:t>
+            </a:r>
+            <a:endParaRPr lang="en-US" dirty="0"/>
+          </a:p>
+        </p:txBody>
+      </p:sp>
+      <p:sp>
+        <p:nvSpPr>
+          <p:cNvPr id="84" name="Rectangle 62"/>
+          <p:cNvSpPr/>
+          <p:nvPr/>
+        </p:nvSpPr>
+        <p:spPr>
+          <a:xfrm>
+            <a:off x="11473711" y="3103264"/>
+            <a:ext cx="1711992" cy="335427"/>
+          </a:xfrm>
+          <a:prstGeom prst="rect">
+            <a:avLst/>
+          </a:prstGeom>
+          <a:solidFill>
+            <a:srgbClr val="7030A0"/>
+          </a:solidFill>
+          <a:ln w="19050">
+            <a:solidFill>
+              <a:srgbClr val="7030A0"/>
+            </a:solidFill>
+          </a:ln>
+          <a:effectLst/>
+        </p:spPr>
+        <p:style>
+          <a:lnRef idx="1">
+            <a:schemeClr val="accent2"/>
+          </a:lnRef>
+          <a:fillRef idx="2">
+            <a:schemeClr val="accent2"/>
+          </a:fillRef>
+          <a:effectRef idx="1">
+            <a:schemeClr val="accent2"/>
+          </a:effectRef>
+          <a:fontRef idx="minor">
+            <a:schemeClr val="dk1"/>
+          </a:fontRef>
+        </p:style>
+        <p:txBody>
+          <a:bodyPr rtlCol="0" anchor="ctr"/>
+          <a:lstStyle/>
+          <a:p>
+            <a:pPr algn="ctr"/>
+            <a:r>
+              <a:rPr lang="en-US" sz="1200">
+                <a:solidFill>
+                  <a:schemeClr val="bg1"/>
+                </a:solidFill>
+              </a:rPr>
+              <a:t>:SearchHistoryManager</a:t>
+            </a:r>
+            <a:endParaRPr lang="en-SG" sz="1200" dirty="0">
+              <a:solidFill>
+                <a:schemeClr val="bg1"/>
+              </a:solidFill>
+            </a:endParaRPr>
+          </a:p>
+        </p:txBody>
+      </p:sp>
+      <p:sp>
+        <p:nvSpPr>
+          <p:cNvPr id="86" name="Rectangle 85"/>
+          <p:cNvSpPr/>
+          <p:nvPr/>
+        </p:nvSpPr>
+        <p:spPr>
+          <a:xfrm>
+            <a:off x="12280948" y="3923142"/>
+            <a:ext cx="129933" cy="901752"/>
+          </a:xfrm>
+          <a:prstGeom prst="rect">
+            <a:avLst/>
+          </a:prstGeom>
+          <a:solidFill>
+            <a:srgbClr val="7030A0"/>
+          </a:solidFill>
+          <a:ln>
+            <a:solidFill>
+              <a:srgbClr val="7030A0"/>
+            </a:solidFill>
+          </a:ln>
+          <a:effectLst/>
+        </p:spPr>
+        <p:style>
+          <a:lnRef idx="1">
+            <a:schemeClr val="accent3"/>
+          </a:lnRef>
+          <a:fillRef idx="2">
+            <a:schemeClr val="accent3"/>
+          </a:fillRef>
+          <a:effectRef idx="1">
+            <a:schemeClr val="accent3"/>
+          </a:effectRef>
+          <a:fontRef idx="minor">
+            <a:schemeClr val="dk1"/>
+          </a:fontRef>
+        </p:style>
+        <p:txBody>
+          <a:bodyPr rtlCol="0" anchor="ctr"/>
+          <a:lstStyle/>
+          <a:p>
+            <a:pPr algn="ctr"/>
+            <a:endParaRPr lang="en-SG" sz="1400"/>
+          </a:p>
+        </p:txBody>
+      </p:sp>
+      <p:sp>
+        <p:nvSpPr>
+          <p:cNvPr id="93" name="TextBox 92"/>
           <p:cNvSpPr txBox="1"/>
           <p:nvPr/>
         </p:nvSpPr>
         <p:spPr>
           <a:xfrm>
-            <a:off x="679737" y="5867400"/>
-            <a:ext cx="762000" cy="215444"/>
+            <a:off x="2743200" y="2057400"/>
+            <a:ext cx="220343" cy="215444"/>
           </a:xfrm>
           <a:prstGeom prst="rect">
             <a:avLst/>
@@ -4537,21 +4676,21 @@
           <a:p>
             <a:r>
               <a:rPr lang="en-US" dirty="0"/>
-              <a:t>result</a:t>
-            </a:r>
-          </a:p>
-        </p:txBody>
-      </p:sp>
-      <p:sp>
-        <p:nvSpPr>
-          <p:cNvPr id="84" name="Rectangle 62"/>
+              <a:t>f</a:t>
+            </a:r>
+          </a:p>
+        </p:txBody>
+      </p:sp>
+      <p:sp>
+        <p:nvSpPr>
+          <p:cNvPr id="40" name="Rectangle 62"/>
           <p:cNvSpPr/>
           <p:nvPr/>
         </p:nvSpPr>
         <p:spPr>
           <a:xfrm>
-            <a:off x="9564170" y="3505200"/>
-            <a:ext cx="2181777" cy="335427"/>
+            <a:off x="9053516" y="2308993"/>
+            <a:ext cx="1230090" cy="300180"/>
           </a:xfrm>
           <a:prstGeom prst="rect">
             <a:avLst/>
@@ -4586,160 +4725,14 @@
           <a:p>
             <a:pPr algn="ctr"/>
             <a:r>
-              <a:rPr lang="en-US" sz="1600">
+              <a:rPr lang="en-US" sz="1200">
                 <a:solidFill>
                   <a:schemeClr val="bg1"/>
                 </a:solidFill>
               </a:rPr>
-              <a:t>:SearchHistoryManager</a:t>
-            </a:r>
-            <a:endParaRPr lang="en-SG" sz="1600" dirty="0">
-              <a:solidFill>
-                <a:schemeClr val="bg1"/>
-              </a:solidFill>
-            </a:endParaRPr>
-          </a:p>
-        </p:txBody>
-      </p:sp>
-      <p:sp>
-        <p:nvSpPr>
-          <p:cNvPr id="86" name="Rectangle 85"/>
-          <p:cNvSpPr/>
-          <p:nvPr/>
-        </p:nvSpPr>
-        <p:spPr>
-          <a:xfrm>
-            <a:off x="10581222" y="4191000"/>
-            <a:ext cx="129933" cy="901752"/>
-          </a:xfrm>
-          <a:prstGeom prst="rect">
-            <a:avLst/>
-          </a:prstGeom>
-          <a:solidFill>
-            <a:srgbClr val="7030A0"/>
-          </a:solidFill>
-          <a:ln>
-            <a:solidFill>
-              <a:srgbClr val="7030A0"/>
-            </a:solidFill>
-          </a:ln>
-          <a:effectLst/>
-        </p:spPr>
-        <p:style>
-          <a:lnRef idx="1">
-            <a:schemeClr val="accent3"/>
-          </a:lnRef>
-          <a:fillRef idx="2">
-            <a:schemeClr val="accent3"/>
-          </a:fillRef>
-          <a:effectRef idx="1">
-            <a:schemeClr val="accent3"/>
-          </a:effectRef>
-          <a:fontRef idx="minor">
-            <a:schemeClr val="dk1"/>
-          </a:fontRef>
-        </p:style>
-        <p:txBody>
-          <a:bodyPr rtlCol="0" anchor="ctr"/>
-          <a:lstStyle/>
-          <a:p>
-            <a:pPr algn="ctr"/>
-            <a:endParaRPr lang="en-SG" sz="1400"/>
-          </a:p>
-        </p:txBody>
-      </p:sp>
-      <p:sp>
-        <p:nvSpPr>
-          <p:cNvPr id="93" name="TextBox 92"/>
-          <p:cNvSpPr txBox="1"/>
-          <p:nvPr/>
-        </p:nvSpPr>
-        <p:spPr>
-          <a:xfrm>
-            <a:off x="2743200" y="2057400"/>
-            <a:ext cx="220343" cy="215444"/>
-          </a:xfrm>
-          <a:prstGeom prst="rect">
-            <a:avLst/>
-          </a:prstGeom>
-          <a:noFill/>
-        </p:spPr>
-        <p:txBody>
-          <a:bodyPr wrap="square" lIns="0" tIns="0" rIns="0" bIns="0" rtlCol="0">
-            <a:spAutoFit/>
-          </a:bodyPr>
-          <a:lstStyle>
-            <a:defPPr>
-              <a:defRPr lang="en-US"/>
-            </a:defPPr>
-            <a:lvl1pPr algn="r">
-              <a:defRPr sz="1400">
-                <a:solidFill>
-                  <a:srgbClr val="0070C0"/>
-                </a:solidFill>
-              </a:defRPr>
-            </a:lvl1pPr>
-          </a:lstStyle>
-          <a:p>
-            <a:r>
-              <a:rPr lang="en-US" dirty="0"/>
-              <a:t>f</a:t>
-            </a:r>
-          </a:p>
-        </p:txBody>
-      </p:sp>
-      <p:sp>
-        <p:nvSpPr>
-          <p:cNvPr id="40" name="Rectangle 62"/>
-          <p:cNvSpPr/>
-          <p:nvPr/>
-        </p:nvSpPr>
-        <p:spPr>
-          <a:xfrm>
-            <a:off x="13106400" y="2322019"/>
-            <a:ext cx="841636" cy="300180"/>
-          </a:xfrm>
-          <a:prstGeom prst="rect">
-            <a:avLst/>
-          </a:prstGeom>
-          <a:solidFill>
-            <a:srgbClr val="7030A0"/>
-          </a:solidFill>
-          <a:ln w="19050">
-            <a:solidFill>
-              <a:srgbClr val="7030A0"/>
-            </a:solidFill>
-          </a:ln>
-          <a:effectLst/>
-        </p:spPr>
-        <p:style>
-          <a:lnRef idx="1">
-            <a:schemeClr val="accent2"/>
-          </a:lnRef>
-          <a:fillRef idx="2">
-            <a:schemeClr val="accent2"/>
-          </a:fillRef>
-          <a:effectRef idx="1">
-            <a:schemeClr val="accent2"/>
-          </a:effectRef>
-          <a:fontRef idx="minor">
-            <a:schemeClr val="dk1"/>
-          </a:fontRef>
-        </p:style>
-        <p:txBody>
-          <a:bodyPr rtlCol="0" anchor="ctr"/>
-          <a:lstStyle/>
-          <a:p>
-            <a:pPr algn="ctr"/>
-            <a:r>
-              <a:rPr lang="en-US" sz="1600" dirty="0">
-                <a:solidFill>
-                  <a:schemeClr val="bg1"/>
-                </a:solidFill>
-              </a:rPr>
-              <a:t>: Model</a:t>
-            </a:r>
-            <a:endParaRPr lang="en-SG" sz="1600" dirty="0">
+              <a:t>: ModelManager</a:t>
+            </a:r>
+            <a:endParaRPr lang="en-SG" sz="1200" dirty="0">
               <a:solidFill>
                 <a:schemeClr val="bg1"/>
               </a:solidFill>
@@ -4757,8 +4750,8 @@
         </p:nvCxnSpPr>
         <p:spPr>
           <a:xfrm flipH="1">
-            <a:off x="13530970" y="2613125"/>
-            <a:ext cx="16116" cy="3450066"/>
+            <a:off x="9654451" y="2582719"/>
+            <a:ext cx="14110" cy="4266165"/>
           </a:xfrm>
           <a:prstGeom prst="line">
             <a:avLst/>
@@ -4786,53 +4779,6 @@
           </a:fontRef>
         </p:style>
       </p:cxnSp>
-      <p:sp>
-        <p:nvSpPr>
-          <p:cNvPr id="49" name="Rectangle 48"/>
-          <p:cNvSpPr/>
-          <p:nvPr/>
-        </p:nvSpPr>
-        <p:spPr>
-          <a:xfrm>
-            <a:off x="13444161" y="2917925"/>
-            <a:ext cx="173619" cy="484297"/>
-          </a:xfrm>
-          <a:prstGeom prst="rect">
-            <a:avLst/>
-          </a:prstGeom>
-          <a:solidFill>
-            <a:srgbClr val="7030A0"/>
-          </a:solidFill>
-          <a:ln>
-            <a:solidFill>
-              <a:srgbClr val="7030A0"/>
-            </a:solidFill>
-          </a:ln>
-          <a:effectLst/>
-        </p:spPr>
-        <p:style>
-          <a:lnRef idx="1">
-            <a:schemeClr val="accent3"/>
-          </a:lnRef>
-          <a:fillRef idx="2">
-            <a:schemeClr val="accent3"/>
-          </a:fillRef>
-          <a:effectRef idx="1">
-            <a:schemeClr val="accent3"/>
-          </a:effectRef>
-          <a:fontRef idx="minor">
-            <a:schemeClr val="dk1"/>
-          </a:fontRef>
-        </p:style>
-        <p:txBody>
-          <a:bodyPr rtlCol="0" anchor="ctr"/>
-          <a:lstStyle/>
-          <a:p>
-            <a:pPr algn="ctr"/>
-            <a:endParaRPr lang="en-SG" sz="1400"/>
-          </a:p>
-        </p:txBody>
-      </p:sp>
       <p:sp>
         <p:nvSpPr>
           <p:cNvPr id="4" name="TextBox 3"/>
@@ -5035,13 +4981,12 @@
           </p:cNvPr>
           <p:cNvCxnSpPr>
             <a:cxnSpLocks/>
-            <a:endCxn id="65" idx="2"/>
           </p:cNvCxnSpPr>
           <p:nvPr/>
         </p:nvCxnSpPr>
         <p:spPr>
           <a:xfrm flipV="1">
-            <a:off x="1691351" y="5714995"/>
+            <a:off x="1674795" y="6883877"/>
             <a:ext cx="5390788" cy="16972"/>
           </a:xfrm>
           <a:prstGeom prst="straightConnector1">
@@ -5085,8 +5030,8 @@
         </p:nvSpPr>
         <p:spPr>
           <a:xfrm>
-            <a:off x="10745450" y="4151790"/>
-            <a:ext cx="1812599" cy="184666"/>
+            <a:off x="12278745" y="3942458"/>
+            <a:ext cx="1812599" cy="153888"/>
           </a:xfrm>
           <a:prstGeom prst="rect">
             <a:avLst/>
@@ -5111,14 +5056,14 @@
           </a:lstStyle>
           <a:p>
             <a:r>
-              <a:rPr lang="en-US" sz="1200">
+              <a:rPr lang="en-US" sz="1000">
                 <a:solidFill>
                   <a:srgbClr val="7030A0"/>
                 </a:solidFill>
               </a:rPr>
               <a:t>addNewPredicate(Predicate)</a:t>
             </a:r>
-            <a:endParaRPr lang="en-US" sz="1200" dirty="0"/>
+            <a:endParaRPr lang="en-US" sz="1000" dirty="0"/>
           </a:p>
         </p:txBody>
       </p:sp>
@@ -5138,9 +5083,9 @@
           <p:nvPr/>
         </p:nvCxnSpPr>
         <p:spPr>
-          <a:xfrm flipH="1">
-            <a:off x="10652669" y="3840627"/>
-            <a:ext cx="2390" cy="1417173"/>
+          <a:xfrm>
+            <a:off x="12329707" y="3438691"/>
+            <a:ext cx="0" cy="1524000"/>
           </a:xfrm>
           <a:prstGeom prst="line">
             <a:avLst/>
@@ -5168,70 +5113,6 @@
           </a:fontRef>
         </p:style>
       </p:cxnSp>
-      <p:sp>
-        <p:nvSpPr>
-          <p:cNvPr id="41" name="TextBox 40"/>
-          <p:cNvSpPr txBox="1"/>
-          <p:nvPr/>
-        </p:nvSpPr>
-        <p:spPr>
-          <a:xfrm>
-            <a:off x="7667068" y="3979962"/>
-            <a:ext cx="1923655" cy="184666"/>
-          </a:xfrm>
-          <a:prstGeom prst="rect">
-            <a:avLst/>
-          </a:prstGeom>
-          <a:noFill/>
-          <a:ln>
-            <a:noFill/>
-          </a:ln>
-        </p:spPr>
-        <p:txBody>
-          <a:bodyPr wrap="square" lIns="0" tIns="0" rIns="0" bIns="0" rtlCol="0">
-            <a:spAutoFit/>
-          </a:bodyPr>
-          <a:lstStyle>
-            <a:defPPr>
-              <a:defRPr lang="en-US"/>
-            </a:defPPr>
-            <a:lvl1pPr algn="r">
-              <a:defRPr sz="1400">
-                <a:solidFill>
-                  <a:srgbClr val="0070C0"/>
-                </a:solidFill>
-              </a:defRPr>
-            </a:lvl1pPr>
-          </a:lstStyle>
-          <a:p>
-            <a:r>
-              <a:rPr lang="en-US" sz="1200">
-                <a:solidFill>
-                  <a:srgbClr val="7030A0"/>
-                </a:solidFill>
-              </a:rPr>
-              <a:t>executeNewSearch</a:t>
-            </a:r>
-            <a:r>
-              <a:rPr lang="en-US" sz="1200">
-                <a:solidFill>
-                  <a:schemeClr val="accent4">
-                    <a:lumMod val="75000"/>
-                  </a:schemeClr>
-                </a:solidFill>
-              </a:rPr>
-              <a:t>(Predicate)</a:t>
-            </a:r>
-            <a:endParaRPr lang="en-US" sz="1200" dirty="0">
-              <a:solidFill>
-                <a:schemeClr val="accent4">
-                  <a:lumMod val="75000"/>
-                </a:schemeClr>
-              </a:solidFill>
-            </a:endParaRPr>
-          </a:p>
-        </p:txBody>
-      </p:sp>
       <p:cxnSp>
         <p:nvCxnSpPr>
           <p:cNvPr id="13" name="Curved Connector 12"/>
@@ -5242,7 +5123,7 @@
         </p:nvCxnSpPr>
         <p:spPr>
           <a:xfrm>
-            <a:off x="10711155" y="4343400"/>
+            <a:off x="12410881" y="4075542"/>
             <a:ext cx="86780" cy="80218"/>
           </a:xfrm>
           <a:prstGeom prst="curvedConnector3">
@@ -5255,44 +5136,6 @@
               <a:srgbClr val="7030A0"/>
             </a:solidFill>
             <a:tailEnd type="triangle"/>
-          </a:ln>
-        </p:spPr>
-        <p:style>
-          <a:lnRef idx="1">
-            <a:schemeClr val="accent1"/>
-          </a:lnRef>
-          <a:fillRef idx="0">
-            <a:schemeClr val="accent1"/>
-          </a:fillRef>
-          <a:effectRef idx="0">
-            <a:schemeClr val="accent1"/>
-          </a:effectRef>
-          <a:fontRef idx="minor">
-            <a:schemeClr val="tx1"/>
-          </a:fontRef>
-        </p:style>
-      </p:cxnSp>
-      <p:cxnSp>
-        <p:nvCxnSpPr>
-          <p:cNvPr id="52" name="Straight Arrow Connector 51"/>
-          <p:cNvCxnSpPr>
-            <a:cxnSpLocks/>
-          </p:cNvCxnSpPr>
-          <p:nvPr/>
-        </p:nvCxnSpPr>
-        <p:spPr>
-          <a:xfrm>
-            <a:off x="7162799" y="4191000"/>
-            <a:ext cx="3418423" cy="0"/>
-          </a:xfrm>
-          <a:prstGeom prst="straightConnector1">
-            <a:avLst/>
-          </a:prstGeom>
-          <a:ln w="19050">
-            <a:solidFill>
-              <a:srgbClr val="0070C0"/>
-            </a:solidFill>
-            <a:tailEnd type="arrow"/>
           </a:ln>
         </p:spPr>
         <p:style>
@@ -5326,55 +5169,8 @@
         </p:nvCxnSpPr>
         <p:spPr>
           <a:xfrm>
-            <a:off x="7171723" y="5086398"/>
-            <a:ext cx="3403772" cy="0"/>
-          </a:xfrm>
-          <a:prstGeom prst="straightConnector1">
-            <a:avLst/>
-          </a:prstGeom>
-          <a:ln w="19050">
-            <a:solidFill>
-              <a:srgbClr val="7030A0"/>
-            </a:solidFill>
-            <a:prstDash val="sysDash"/>
-            <a:headEnd type="arrow" w="med" len="med"/>
-            <a:tailEnd type="none" w="med" len="med"/>
-          </a:ln>
-        </p:spPr>
-        <p:style>
-          <a:lnRef idx="1">
-            <a:schemeClr val="accent1"/>
-          </a:lnRef>
-          <a:fillRef idx="0">
-            <a:schemeClr val="accent1"/>
-          </a:fillRef>
-          <a:effectRef idx="0">
-            <a:schemeClr val="accent1"/>
-          </a:effectRef>
-          <a:fontRef idx="minor">
-            <a:schemeClr val="tx1"/>
-          </a:fontRef>
-        </p:style>
-      </p:cxnSp>
-      <p:cxnSp>
-        <p:nvCxnSpPr>
-          <p:cNvPr id="63" name="Straight Arrow Connector 62">
-            <a:extLst>
-              <a:ext uri="{FF2B5EF4-FFF2-40B4-BE49-F238E27FC236}">
-                <a16:creationId xmlns:a16="http://schemas.microsoft.com/office/drawing/2014/main" id="{7C9F21BC-13A9-471F-825A-2621FD36355F}"/>
-              </a:ext>
-            </a:extLst>
-          </p:cNvPr>
-          <p:cNvCxnSpPr>
-            <a:cxnSpLocks/>
-            <a:endCxn id="49" idx="2"/>
-          </p:cNvCxnSpPr>
-          <p:nvPr/>
-        </p:nvCxnSpPr>
-        <p:spPr>
-          <a:xfrm>
-            <a:off x="7171723" y="3402222"/>
-            <a:ext cx="6359248" cy="0"/>
+            <a:off x="9754538" y="4816992"/>
+            <a:ext cx="2526410" cy="0"/>
           </a:xfrm>
           <a:prstGeom prst="straightConnector1">
             <a:avLst/>
@@ -5504,7 +5300,18 @@
                   <a:schemeClr val="bg1"/>
                 </a:solidFill>
               </a:rPr>
-              <a:t>f:FindCommand</a:t>
+              <a:t>f:IncludeName</a:t>
+            </a:r>
+          </a:p>
+          <a:p>
+            <a:pPr algn="ctr"/>
+            <a:r>
+              <a:rPr lang="en-US" sz="1050">
+                <a:solidFill>
+                  <a:schemeClr val="bg1"/>
+                </a:solidFill>
+              </a:rPr>
+              <a:t>FindCommand</a:t>
             </a:r>
           </a:p>
         </p:txBody>
@@ -5669,7 +5476,7 @@
         <p:spPr>
           <a:xfrm>
             <a:off x="7086600" y="1833138"/>
-            <a:ext cx="0" cy="4085200"/>
+            <a:ext cx="0" cy="5329662"/>
           </a:xfrm>
           <a:prstGeom prst="line">
             <a:avLst/>
@@ -5711,7 +5518,7 @@
         </p:nvSpPr>
         <p:spPr>
           <a:xfrm>
-            <a:off x="6959016" y="5787533"/>
+            <a:off x="6957225" y="7021557"/>
             <a:ext cx="286063" cy="261610"/>
           </a:xfrm>
           <a:prstGeom prst="rect">
@@ -5750,7 +5557,7 @@
         </p:nvSpPr>
         <p:spPr>
           <a:xfrm>
-            <a:off x="10668000" y="4419600"/>
+            <a:off x="12367726" y="4151742"/>
             <a:ext cx="129933" cy="169962"/>
           </a:xfrm>
           <a:prstGeom prst="rect">
@@ -5806,8 +5613,8 @@
         </p:nvSpPr>
         <p:spPr>
           <a:xfrm>
-            <a:off x="10150170" y="4589325"/>
-            <a:ext cx="2769570" cy="184666"/>
+            <a:off x="11563414" y="4321629"/>
+            <a:ext cx="2769570" cy="153888"/>
           </a:xfrm>
           <a:prstGeom prst="rect">
             <a:avLst/>
@@ -5832,14 +5639,14 @@
           </a:lstStyle>
           <a:p>
             <a:r>
-              <a:rPr lang="en-US" sz="1200">
+              <a:rPr lang="en-US" sz="1000">
                 <a:solidFill>
                   <a:srgbClr val="7030A0"/>
                 </a:solidFill>
               </a:rPr>
               <a:t>retrievePredicateAtTopOfStack()</a:t>
             </a:r>
-            <a:endParaRPr lang="en-US" sz="1200" dirty="0"/>
+            <a:endParaRPr lang="en-US" sz="1000" dirty="0"/>
           </a:p>
         </p:txBody>
       </p:sp>
@@ -5857,7 +5664,7 @@
         </p:nvSpPr>
         <p:spPr>
           <a:xfrm>
-            <a:off x="10671613" y="4729834"/>
+            <a:off x="12371339" y="4461976"/>
             <a:ext cx="129933" cy="169962"/>
           </a:xfrm>
           <a:prstGeom prst="rect">
@@ -5915,7 +5722,7 @@
         </p:nvCxnSpPr>
         <p:spPr>
           <a:xfrm>
-            <a:off x="10717504" y="4654800"/>
+            <a:off x="12417230" y="4386942"/>
             <a:ext cx="86780" cy="80218"/>
           </a:xfrm>
           <a:prstGeom prst="curvedConnector3">
@@ -5961,7 +5768,7 @@
         </p:nvCxnSpPr>
         <p:spPr>
           <a:xfrm>
-            <a:off x="10711153" y="4974830"/>
+            <a:off x="12410879" y="4706972"/>
             <a:ext cx="86780" cy="80218"/>
           </a:xfrm>
           <a:prstGeom prst="curvedConnector3">
@@ -6014,7 +5821,7 @@
         </p:nvSpPr>
         <p:spPr>
           <a:xfrm>
-            <a:off x="8563830" y="4882497"/>
+            <a:off x="10668000" y="4632326"/>
             <a:ext cx="628207" cy="184666"/>
           </a:xfrm>
           <a:prstGeom prst="rect">
@@ -6062,65 +5869,12 @@
           </a:p>
         </p:txBody>
       </p:sp>
-      <p:sp>
-        <p:nvSpPr>
-          <p:cNvPr id="181" name="Rectangle 180">
+      <p:cxnSp>
+        <p:nvCxnSpPr>
+          <p:cNvPr id="62" name="Curved Connector 12">
             <a:extLst>
               <a:ext uri="{FF2B5EF4-FFF2-40B4-BE49-F238E27FC236}">
-                <a16:creationId xmlns:a16="http://schemas.microsoft.com/office/drawing/2014/main" id="{43E9AB66-7245-4E45-9D3B-AE42EA728487}"/>
-              </a:ext>
-            </a:extLst>
-          </p:cNvPr>
-          <p:cNvSpPr/>
-          <p:nvPr/>
-        </p:nvSpPr>
-        <p:spPr>
-          <a:xfrm>
-            <a:off x="13457740" y="5473445"/>
-            <a:ext cx="173619" cy="484297"/>
-          </a:xfrm>
-          <a:prstGeom prst="rect">
-            <a:avLst/>
-          </a:prstGeom>
-          <a:solidFill>
-            <a:srgbClr val="7030A0"/>
-          </a:solidFill>
-          <a:ln>
-            <a:solidFill>
-              <a:srgbClr val="7030A0"/>
-            </a:solidFill>
-          </a:ln>
-          <a:effectLst/>
-        </p:spPr>
-        <p:style>
-          <a:lnRef idx="1">
-            <a:schemeClr val="accent3"/>
-          </a:lnRef>
-          <a:fillRef idx="2">
-            <a:schemeClr val="accent3"/>
-          </a:fillRef>
-          <a:effectRef idx="1">
-            <a:schemeClr val="accent3"/>
-          </a:effectRef>
-          <a:fontRef idx="minor">
-            <a:schemeClr val="dk1"/>
-          </a:fontRef>
-        </p:style>
-        <p:txBody>
-          <a:bodyPr rtlCol="0" anchor="ctr"/>
-          <a:lstStyle/>
-          <a:p>
-            <a:pPr algn="ctr"/>
-            <a:endParaRPr lang="en-SG" sz="1400"/>
-          </a:p>
-        </p:txBody>
-      </p:sp>
-      <p:cxnSp>
-        <p:nvCxnSpPr>
-          <p:cNvPr id="182" name="Straight Arrow Connector 181">
-            <a:extLst>
-              <a:ext uri="{FF2B5EF4-FFF2-40B4-BE49-F238E27FC236}">
-                <a16:creationId xmlns:a16="http://schemas.microsoft.com/office/drawing/2014/main" id="{47E266FC-29B1-4503-B94B-19CC667D2E1A}"/>
+                <a16:creationId xmlns:a16="http://schemas.microsoft.com/office/drawing/2014/main" id="{ED23FDA0-2CFE-46B3-A0DB-BA5F0E074BC8}"/>
               </a:ext>
             </a:extLst>
           </p:cNvPr>
@@ -6131,17 +5885,19 @@
         </p:nvCxnSpPr>
         <p:spPr>
           <a:xfrm>
-            <a:off x="7102047" y="5473445"/>
-            <a:ext cx="6355693" cy="0"/>
-          </a:xfrm>
-          <a:prstGeom prst="straightConnector1">
-            <a:avLst/>
-          </a:prstGeom>
-          <a:ln w="19050">
+            <a:off x="7170619" y="2894185"/>
+            <a:ext cx="86780" cy="80218"/>
+          </a:xfrm>
+          <a:prstGeom prst="curvedConnector3">
+            <a:avLst>
+              <a:gd name="adj1" fmla="val 220128"/>
+            </a:avLst>
+          </a:prstGeom>
+          <a:ln>
             <a:solidFill>
               <a:srgbClr val="0070C0"/>
             </a:solidFill>
-            <a:tailEnd type="arrow"/>
+            <a:tailEnd type="triangle"/>
           </a:ln>
         </p:spPr>
         <p:style>
@@ -6161,10 +5917,10 @@
       </p:cxnSp>
       <p:sp>
         <p:nvSpPr>
-          <p:cNvPr id="186" name="TextBox 185">
+          <p:cNvPr id="64" name="TextBox 63">
             <a:extLst>
               <a:ext uri="{FF2B5EF4-FFF2-40B4-BE49-F238E27FC236}">
-                <a16:creationId xmlns:a16="http://schemas.microsoft.com/office/drawing/2014/main" id="{E9746BE0-D2DA-4F4E-9AEA-489F89C722E9}"/>
+                <a16:creationId xmlns:a16="http://schemas.microsoft.com/office/drawing/2014/main" id="{D68BF912-A7C9-4E5C-8700-1D82E7477B5E}"/>
               </a:ext>
             </a:extLst>
           </p:cNvPr>
@@ -6173,16 +5929,13 @@
         </p:nvSpPr>
         <p:spPr>
           <a:xfrm>
-            <a:off x="8978794" y="5291203"/>
-            <a:ext cx="2376270" cy="184666"/>
+            <a:off x="7214009" y="2732808"/>
+            <a:ext cx="855809" cy="153888"/>
           </a:xfrm>
           <a:prstGeom prst="rect">
             <a:avLst/>
           </a:prstGeom>
           <a:noFill/>
-          <a:ln>
-            <a:noFill/>
-          </a:ln>
         </p:spPr>
         <p:txBody>
           <a:bodyPr wrap="square" lIns="0" tIns="0" rIns="0" bIns="0" rtlCol="0">
@@ -6202,13 +5955,52 @@
           </a:lstStyle>
           <a:p>
             <a:r>
-              <a:rPr lang="en-US" sz="1200">
+              <a:rPr lang="en-US" sz="1000"/>
+              <a:t>executeSearch()</a:t>
+            </a:r>
+            <a:endParaRPr lang="en-US" sz="1000" dirty="0"/>
+          </a:p>
+        </p:txBody>
+      </p:sp>
+      <p:sp>
+        <p:nvSpPr>
+          <p:cNvPr id="97" name="TextBox 96">
+            <a:extLst>
+              <a:ext uri="{FF2B5EF4-FFF2-40B4-BE49-F238E27FC236}">
+                <a16:creationId xmlns:a16="http://schemas.microsoft.com/office/drawing/2014/main" id="{DA7F6D84-193F-46D9-A97A-1DA6C7E377A8}"/>
+              </a:ext>
+            </a:extLst>
+          </p:cNvPr>
+          <p:cNvSpPr txBox="1"/>
+          <p:nvPr/>
+        </p:nvSpPr>
+        <p:spPr>
+          <a:xfrm>
+            <a:off x="7506621" y="3361712"/>
+            <a:ext cx="1819259" cy="184666"/>
+          </a:xfrm>
+          <a:prstGeom prst="rect">
+            <a:avLst/>
+          </a:prstGeom>
+          <a:noFill/>
+        </p:spPr>
+        <p:txBody>
+          <a:bodyPr wrap="square" lIns="0" tIns="0" rIns="0" bIns="0" rtlCol="0">
+            <a:spAutoFit/>
+          </a:bodyPr>
+          <a:lstStyle>
+            <a:defPPr>
+              <a:defRPr lang="en-US"/>
+            </a:defPPr>
+            <a:lvl1pPr algn="r">
+              <a:defRPr sz="1400">
                 <a:solidFill>
-                  <a:srgbClr val="7030A0"/>
+                  <a:srgbClr val="0070C0"/>
                 </a:solidFill>
-              </a:rPr>
-              <a:t>updateFilteredPersonList</a:t>
-            </a:r>
+              </a:defRPr>
+            </a:lvl1pPr>
+          </a:lstStyle>
+          <a:p>
             <a:r>
               <a:rPr lang="en-US" sz="1200">
                 <a:solidFill>
@@ -6217,24 +6009,26 @@
                   </a:schemeClr>
                 </a:solidFill>
               </a:rPr>
-              <a:t>(Predicate)</a:t>
-            </a:r>
-            <a:endParaRPr lang="en-US" sz="1200" dirty="0">
-              <a:solidFill>
-                <a:schemeClr val="accent4">
-                  <a:lumMod val="75000"/>
-                </a:schemeClr>
-              </a:solidFill>
-            </a:endParaRPr>
+              <a:t>executeSearch(</a:t>
+            </a:r>
+            <a:r>
+              <a:rPr lang="en-US" sz="1200">
+                <a:solidFill>
+                  <a:srgbClr val="7030A0"/>
+                </a:solidFill>
+              </a:rPr>
+              <a:t>)</a:t>
+            </a:r>
+            <a:endParaRPr lang="en-US" sz="1200" dirty="0"/>
           </a:p>
         </p:txBody>
       </p:sp>
       <p:cxnSp>
         <p:nvCxnSpPr>
-          <p:cNvPr id="189" name="Straight Arrow Connector 188">
+          <p:cNvPr id="98" name="Straight Arrow Connector 97">
             <a:extLst>
               <a:ext uri="{FF2B5EF4-FFF2-40B4-BE49-F238E27FC236}">
-                <a16:creationId xmlns:a16="http://schemas.microsoft.com/office/drawing/2014/main" id="{557A5B94-4A4D-4356-9B9A-95570F58943D}"/>
+                <a16:creationId xmlns:a16="http://schemas.microsoft.com/office/drawing/2014/main" id="{9334A9A3-56DE-4F49-BFCA-7E11C50BECBC}"/>
               </a:ext>
             </a:extLst>
           </p:cNvPr>
@@ -6245,8 +6039,8 @@
         </p:nvCxnSpPr>
         <p:spPr>
           <a:xfrm>
-            <a:off x="7171723" y="2917925"/>
-            <a:ext cx="6272438" cy="0"/>
+            <a:off x="7255043" y="3587897"/>
+            <a:ext cx="2328033" cy="0"/>
           </a:xfrm>
           <a:prstGeom prst="straightConnector1">
             <a:avLst/>
@@ -6273,6 +6067,1327 @@
           </a:fontRef>
         </p:style>
       </p:cxnSp>
+      <p:sp>
+        <p:nvSpPr>
+          <p:cNvPr id="99" name="Rectangle 98">
+            <a:extLst>
+              <a:ext uri="{FF2B5EF4-FFF2-40B4-BE49-F238E27FC236}">
+                <a16:creationId xmlns:a16="http://schemas.microsoft.com/office/drawing/2014/main" id="{FCEA29C4-48B7-4C7F-8825-E4314664866D}"/>
+              </a:ext>
+            </a:extLst>
+          </p:cNvPr>
+          <p:cNvSpPr/>
+          <p:nvPr/>
+        </p:nvSpPr>
+        <p:spPr>
+          <a:xfrm>
+            <a:off x="9579739" y="3587897"/>
+            <a:ext cx="162920" cy="1713695"/>
+          </a:xfrm>
+          <a:prstGeom prst="rect">
+            <a:avLst/>
+          </a:prstGeom>
+          <a:solidFill>
+            <a:srgbClr val="7030A0"/>
+          </a:solidFill>
+          <a:ln>
+            <a:solidFill>
+              <a:srgbClr val="7030A0"/>
+            </a:solidFill>
+          </a:ln>
+          <a:effectLst/>
+        </p:spPr>
+        <p:style>
+          <a:lnRef idx="1">
+            <a:schemeClr val="accent3"/>
+          </a:lnRef>
+          <a:fillRef idx="2">
+            <a:schemeClr val="accent3"/>
+          </a:fillRef>
+          <a:effectRef idx="1">
+            <a:schemeClr val="accent3"/>
+          </a:effectRef>
+          <a:fontRef idx="minor">
+            <a:schemeClr val="dk1"/>
+          </a:fontRef>
+        </p:style>
+        <p:txBody>
+          <a:bodyPr rtlCol="0" anchor="ctr"/>
+          <a:lstStyle/>
+          <a:p>
+            <a:pPr algn="ctr"/>
+            <a:endParaRPr lang="en-SG" sz="1400"/>
+          </a:p>
+        </p:txBody>
+      </p:sp>
+      <p:cxnSp>
+        <p:nvCxnSpPr>
+          <p:cNvPr id="102" name="Straight Arrow Connector 101">
+            <a:extLst>
+              <a:ext uri="{FF2B5EF4-FFF2-40B4-BE49-F238E27FC236}">
+                <a16:creationId xmlns:a16="http://schemas.microsoft.com/office/drawing/2014/main" id="{7585D381-1C10-4E2E-8FF0-0384B021D04A}"/>
+              </a:ext>
+            </a:extLst>
+          </p:cNvPr>
+          <p:cNvCxnSpPr>
+            <a:cxnSpLocks/>
+          </p:cNvCxnSpPr>
+          <p:nvPr/>
+        </p:nvCxnSpPr>
+        <p:spPr>
+          <a:xfrm>
+            <a:off x="9745996" y="3942458"/>
+            <a:ext cx="2522204" cy="0"/>
+          </a:xfrm>
+          <a:prstGeom prst="straightConnector1">
+            <a:avLst/>
+          </a:prstGeom>
+          <a:ln w="19050">
+            <a:solidFill>
+              <a:srgbClr val="7030A0"/>
+            </a:solidFill>
+            <a:tailEnd type="arrow"/>
+          </a:ln>
+        </p:spPr>
+        <p:style>
+          <a:lnRef idx="1">
+            <a:schemeClr val="accent1"/>
+          </a:lnRef>
+          <a:fillRef idx="0">
+            <a:schemeClr val="accent1"/>
+          </a:fillRef>
+          <a:effectRef idx="0">
+            <a:schemeClr val="accent1"/>
+          </a:effectRef>
+          <a:fontRef idx="minor">
+            <a:schemeClr val="tx1"/>
+          </a:fontRef>
+        </p:style>
+      </p:cxnSp>
+      <p:sp>
+        <p:nvSpPr>
+          <p:cNvPr id="103" name="TextBox 102">
+            <a:extLst>
+              <a:ext uri="{FF2B5EF4-FFF2-40B4-BE49-F238E27FC236}">
+                <a16:creationId xmlns:a16="http://schemas.microsoft.com/office/drawing/2014/main" id="{CD183F0E-1624-4276-B8DC-E5F3A32207A1}"/>
+              </a:ext>
+            </a:extLst>
+          </p:cNvPr>
+          <p:cNvSpPr txBox="1"/>
+          <p:nvPr/>
+        </p:nvSpPr>
+        <p:spPr>
+          <a:xfrm>
+            <a:off x="9906000" y="3731341"/>
+            <a:ext cx="1819259" cy="184666"/>
+          </a:xfrm>
+          <a:prstGeom prst="rect">
+            <a:avLst/>
+          </a:prstGeom>
+          <a:noFill/>
+        </p:spPr>
+        <p:txBody>
+          <a:bodyPr wrap="square" lIns="0" tIns="0" rIns="0" bIns="0" rtlCol="0">
+            <a:spAutoFit/>
+          </a:bodyPr>
+          <a:lstStyle>
+            <a:defPPr>
+              <a:defRPr lang="en-US"/>
+            </a:defPPr>
+            <a:lvl1pPr algn="r">
+              <a:defRPr sz="1400">
+                <a:solidFill>
+                  <a:srgbClr val="0070C0"/>
+                </a:solidFill>
+              </a:defRPr>
+            </a:lvl1pPr>
+          </a:lstStyle>
+          <a:p>
+            <a:r>
+              <a:rPr lang="en-US" sz="1200">
+                <a:solidFill>
+                  <a:schemeClr val="accent4">
+                    <a:lumMod val="75000"/>
+                  </a:schemeClr>
+                </a:solidFill>
+              </a:rPr>
+              <a:t>executeNewSearch(</a:t>
+            </a:r>
+            <a:r>
+              <a:rPr lang="en-US" sz="1200">
+                <a:solidFill>
+                  <a:srgbClr val="7030A0"/>
+                </a:solidFill>
+              </a:rPr>
+              <a:t>)</a:t>
+            </a:r>
+            <a:endParaRPr lang="en-US" sz="1200" dirty="0"/>
+          </a:p>
+        </p:txBody>
+      </p:sp>
+      <p:sp>
+        <p:nvSpPr>
+          <p:cNvPr id="104" name="Rectangle 62">
+            <a:extLst>
+              <a:ext uri="{FF2B5EF4-FFF2-40B4-BE49-F238E27FC236}">
+                <a16:creationId xmlns:a16="http://schemas.microsoft.com/office/drawing/2014/main" id="{8CAFA125-B872-496D-B612-F094B0B9DB38}"/>
+              </a:ext>
+            </a:extLst>
+          </p:cNvPr>
+          <p:cNvSpPr/>
+          <p:nvPr/>
+        </p:nvSpPr>
+        <p:spPr>
+          <a:xfrm>
+            <a:off x="13637048" y="3274713"/>
+            <a:ext cx="1633240" cy="300180"/>
+          </a:xfrm>
+          <a:prstGeom prst="rect">
+            <a:avLst/>
+          </a:prstGeom>
+          <a:solidFill>
+            <a:srgbClr val="7030A0"/>
+          </a:solidFill>
+          <a:ln w="19050">
+            <a:solidFill>
+              <a:srgbClr val="7030A0"/>
+            </a:solidFill>
+          </a:ln>
+          <a:effectLst/>
+        </p:spPr>
+        <p:style>
+          <a:lnRef idx="1">
+            <a:schemeClr val="accent2"/>
+          </a:lnRef>
+          <a:fillRef idx="2">
+            <a:schemeClr val="accent2"/>
+          </a:fillRef>
+          <a:effectRef idx="1">
+            <a:schemeClr val="accent2"/>
+          </a:effectRef>
+          <a:fontRef idx="minor">
+            <a:schemeClr val="dk1"/>
+          </a:fontRef>
+        </p:style>
+        <p:txBody>
+          <a:bodyPr rtlCol="0" anchor="ctr"/>
+          <a:lstStyle/>
+          <a:p>
+            <a:pPr algn="ctr"/>
+            <a:r>
+              <a:rPr lang="en-US" sz="1200">
+                <a:solidFill>
+                  <a:schemeClr val="bg1"/>
+                </a:solidFill>
+              </a:rPr>
+              <a:t>:FilteredList&lt;Person&gt;</a:t>
+            </a:r>
+            <a:endParaRPr lang="en-SG" sz="1200" dirty="0">
+              <a:solidFill>
+                <a:schemeClr val="bg1"/>
+              </a:solidFill>
+            </a:endParaRPr>
+          </a:p>
+        </p:txBody>
+      </p:sp>
+      <p:cxnSp>
+        <p:nvCxnSpPr>
+          <p:cNvPr id="107" name="Straight Arrow Connector 106">
+            <a:extLst>
+              <a:ext uri="{FF2B5EF4-FFF2-40B4-BE49-F238E27FC236}">
+                <a16:creationId xmlns:a16="http://schemas.microsoft.com/office/drawing/2014/main" id="{B951EF82-18A8-4981-B5F6-28C25C0E71A9}"/>
+              </a:ext>
+            </a:extLst>
+          </p:cNvPr>
+          <p:cNvCxnSpPr>
+            <a:cxnSpLocks/>
+          </p:cNvCxnSpPr>
+          <p:nvPr/>
+        </p:nvCxnSpPr>
+        <p:spPr>
+          <a:xfrm>
+            <a:off x="9742659" y="5027929"/>
+            <a:ext cx="4640155" cy="10963"/>
+          </a:xfrm>
+          <a:prstGeom prst="straightConnector1">
+            <a:avLst/>
+          </a:prstGeom>
+          <a:ln w="19050">
+            <a:solidFill>
+              <a:srgbClr val="7030A0"/>
+            </a:solidFill>
+            <a:tailEnd type="arrow"/>
+          </a:ln>
+        </p:spPr>
+        <p:style>
+          <a:lnRef idx="1">
+            <a:schemeClr val="accent1"/>
+          </a:lnRef>
+          <a:fillRef idx="0">
+            <a:schemeClr val="accent1"/>
+          </a:fillRef>
+          <a:effectRef idx="0">
+            <a:schemeClr val="accent1"/>
+          </a:effectRef>
+          <a:fontRef idx="minor">
+            <a:schemeClr val="tx1"/>
+          </a:fontRef>
+        </p:style>
+      </p:cxnSp>
+      <p:sp>
+        <p:nvSpPr>
+          <p:cNvPr id="110" name="TextBox 109">
+            <a:extLst>
+              <a:ext uri="{FF2B5EF4-FFF2-40B4-BE49-F238E27FC236}">
+                <a16:creationId xmlns:a16="http://schemas.microsoft.com/office/drawing/2014/main" id="{3626C1B1-142A-46DA-A728-A907959BF713}"/>
+              </a:ext>
+            </a:extLst>
+          </p:cNvPr>
+          <p:cNvSpPr txBox="1"/>
+          <p:nvPr/>
+        </p:nvSpPr>
+        <p:spPr>
+          <a:xfrm>
+            <a:off x="11658600" y="4846924"/>
+            <a:ext cx="1819259" cy="184666"/>
+          </a:xfrm>
+          <a:prstGeom prst="rect">
+            <a:avLst/>
+          </a:prstGeom>
+          <a:noFill/>
+        </p:spPr>
+        <p:txBody>
+          <a:bodyPr wrap="square" lIns="0" tIns="0" rIns="0" bIns="0" rtlCol="0">
+            <a:spAutoFit/>
+          </a:bodyPr>
+          <a:lstStyle>
+            <a:defPPr>
+              <a:defRPr lang="en-US"/>
+            </a:defPPr>
+            <a:lvl1pPr algn="r">
+              <a:defRPr sz="1400">
+                <a:solidFill>
+                  <a:srgbClr val="0070C0"/>
+                </a:solidFill>
+              </a:defRPr>
+            </a:lvl1pPr>
+          </a:lstStyle>
+          <a:p>
+            <a:r>
+              <a:rPr lang="en-US" sz="1200">
+                <a:solidFill>
+                  <a:schemeClr val="accent4">
+                    <a:lumMod val="75000"/>
+                  </a:schemeClr>
+                </a:solidFill>
+              </a:rPr>
+              <a:t>setPredicate(</a:t>
+            </a:r>
+            <a:r>
+              <a:rPr lang="en-US" sz="1200">
+                <a:solidFill>
+                  <a:srgbClr val="7030A0"/>
+                </a:solidFill>
+              </a:rPr>
+              <a:t>)</a:t>
+            </a:r>
+            <a:endParaRPr lang="en-US" sz="1200" dirty="0"/>
+          </a:p>
+        </p:txBody>
+      </p:sp>
+      <p:sp>
+        <p:nvSpPr>
+          <p:cNvPr id="111" name="Rectangle 110">
+            <a:extLst>
+              <a:ext uri="{FF2B5EF4-FFF2-40B4-BE49-F238E27FC236}">
+                <a16:creationId xmlns:a16="http://schemas.microsoft.com/office/drawing/2014/main" id="{9E97C376-F1D9-431F-8D66-0169C2F56C73}"/>
+              </a:ext>
+            </a:extLst>
+          </p:cNvPr>
+          <p:cNvSpPr/>
+          <p:nvPr/>
+        </p:nvSpPr>
+        <p:spPr>
+          <a:xfrm>
+            <a:off x="14388701" y="5041087"/>
+            <a:ext cx="129933" cy="145924"/>
+          </a:xfrm>
+          <a:prstGeom prst="rect">
+            <a:avLst/>
+          </a:prstGeom>
+          <a:solidFill>
+            <a:srgbClr val="7030A0"/>
+          </a:solidFill>
+          <a:ln>
+            <a:solidFill>
+              <a:srgbClr val="7030A0"/>
+            </a:solidFill>
+          </a:ln>
+          <a:effectLst/>
+        </p:spPr>
+        <p:style>
+          <a:lnRef idx="1">
+            <a:schemeClr val="accent3"/>
+          </a:lnRef>
+          <a:fillRef idx="2">
+            <a:schemeClr val="accent3"/>
+          </a:fillRef>
+          <a:effectRef idx="1">
+            <a:schemeClr val="accent3"/>
+          </a:effectRef>
+          <a:fontRef idx="minor">
+            <a:schemeClr val="dk1"/>
+          </a:fontRef>
+        </p:style>
+        <p:txBody>
+          <a:bodyPr rtlCol="0" anchor="ctr"/>
+          <a:lstStyle/>
+          <a:p>
+            <a:pPr algn="ctr"/>
+            <a:endParaRPr lang="en-SG" sz="1400"/>
+          </a:p>
+        </p:txBody>
+      </p:sp>
+      <p:sp>
+        <p:nvSpPr>
+          <p:cNvPr id="124" name="Rectangle 123">
+            <a:extLst>
+              <a:ext uri="{FF2B5EF4-FFF2-40B4-BE49-F238E27FC236}">
+                <a16:creationId xmlns:a16="http://schemas.microsoft.com/office/drawing/2014/main" id="{48BA3019-288B-406F-AB12-985E42E5C2B1}"/>
+              </a:ext>
+            </a:extLst>
+          </p:cNvPr>
+          <p:cNvSpPr/>
+          <p:nvPr/>
+        </p:nvSpPr>
+        <p:spPr>
+          <a:xfrm>
+            <a:off x="7100257" y="5765246"/>
+            <a:ext cx="151917" cy="937834"/>
+          </a:xfrm>
+          <a:prstGeom prst="rect">
+            <a:avLst/>
+          </a:prstGeom>
+          <a:solidFill>
+            <a:srgbClr val="0070C0"/>
+          </a:solidFill>
+          <a:ln w="19050">
+            <a:solidFill>
+              <a:schemeClr val="tx2">
+                <a:lumMod val="40000"/>
+                <a:lumOff val="60000"/>
+              </a:schemeClr>
+            </a:solidFill>
+          </a:ln>
+          <a:effectLst/>
+        </p:spPr>
+        <p:style>
+          <a:lnRef idx="1">
+            <a:schemeClr val="accent3"/>
+          </a:lnRef>
+          <a:fillRef idx="2">
+            <a:schemeClr val="accent3"/>
+          </a:fillRef>
+          <a:effectRef idx="1">
+            <a:schemeClr val="accent3"/>
+          </a:effectRef>
+          <a:fontRef idx="minor">
+            <a:schemeClr val="dk1"/>
+          </a:fontRef>
+        </p:style>
+        <p:txBody>
+          <a:bodyPr rtlCol="0" anchor="ctr"/>
+          <a:lstStyle/>
+          <a:p>
+            <a:pPr algn="ctr"/>
+            <a:endParaRPr lang="en-SG" sz="1400"/>
+          </a:p>
+        </p:txBody>
+      </p:sp>
+      <p:cxnSp>
+        <p:nvCxnSpPr>
+          <p:cNvPr id="125" name="Curved Connector 12">
+            <a:extLst>
+              <a:ext uri="{FF2B5EF4-FFF2-40B4-BE49-F238E27FC236}">
+                <a16:creationId xmlns:a16="http://schemas.microsoft.com/office/drawing/2014/main" id="{1952FCF9-FCB6-49B3-8C94-2105BBD90556}"/>
+              </a:ext>
+            </a:extLst>
+          </p:cNvPr>
+          <p:cNvCxnSpPr>
+            <a:cxnSpLocks/>
+          </p:cNvCxnSpPr>
+          <p:nvPr/>
+        </p:nvCxnSpPr>
+        <p:spPr>
+          <a:xfrm>
+            <a:off x="7155968" y="5691800"/>
+            <a:ext cx="86780" cy="80218"/>
+          </a:xfrm>
+          <a:prstGeom prst="curvedConnector3">
+            <a:avLst>
+              <a:gd name="adj1" fmla="val 220128"/>
+            </a:avLst>
+          </a:prstGeom>
+          <a:ln>
+            <a:solidFill>
+              <a:srgbClr val="0070C0"/>
+            </a:solidFill>
+            <a:tailEnd type="triangle"/>
+          </a:ln>
+        </p:spPr>
+        <p:style>
+          <a:lnRef idx="1">
+            <a:schemeClr val="accent1"/>
+          </a:lnRef>
+          <a:fillRef idx="0">
+            <a:schemeClr val="accent1"/>
+          </a:fillRef>
+          <a:effectRef idx="0">
+            <a:schemeClr val="accent1"/>
+          </a:effectRef>
+          <a:fontRef idx="minor">
+            <a:schemeClr val="tx1"/>
+          </a:fontRef>
+        </p:style>
+      </p:cxnSp>
+      <p:sp>
+        <p:nvSpPr>
+          <p:cNvPr id="126" name="TextBox 125">
+            <a:extLst>
+              <a:ext uri="{FF2B5EF4-FFF2-40B4-BE49-F238E27FC236}">
+                <a16:creationId xmlns:a16="http://schemas.microsoft.com/office/drawing/2014/main" id="{A64F8BA8-6D40-4DFD-99AB-543DEEED252F}"/>
+              </a:ext>
+            </a:extLst>
+          </p:cNvPr>
+          <p:cNvSpPr txBox="1"/>
+          <p:nvPr/>
+        </p:nvSpPr>
+        <p:spPr>
+          <a:xfrm>
+            <a:off x="7169703" y="5549518"/>
+            <a:ext cx="2167763" cy="138499"/>
+          </a:xfrm>
+          <a:prstGeom prst="rect">
+            <a:avLst/>
+          </a:prstGeom>
+          <a:noFill/>
+        </p:spPr>
+        <p:txBody>
+          <a:bodyPr wrap="square" lIns="0" tIns="0" rIns="0" bIns="0" rtlCol="0">
+            <a:spAutoFit/>
+          </a:bodyPr>
+          <a:lstStyle>
+            <a:defPPr>
+              <a:defRPr lang="en-US"/>
+            </a:defPPr>
+            <a:lvl1pPr algn="r">
+              <a:defRPr sz="1400">
+                <a:solidFill>
+                  <a:srgbClr val="0070C0"/>
+                </a:solidFill>
+              </a:defRPr>
+            </a:lvl1pPr>
+          </a:lstStyle>
+          <a:p>
+            <a:r>
+              <a:rPr lang="en-US" sz="900"/>
+              <a:t>getCommandResultsWithKeywordsHistory()</a:t>
+            </a:r>
+            <a:endParaRPr lang="en-US" sz="900" dirty="0"/>
+          </a:p>
+        </p:txBody>
+      </p:sp>
+      <p:cxnSp>
+        <p:nvCxnSpPr>
+          <p:cNvPr id="135" name="Curved Connector 12">
+            <a:extLst>
+              <a:ext uri="{FF2B5EF4-FFF2-40B4-BE49-F238E27FC236}">
+                <a16:creationId xmlns:a16="http://schemas.microsoft.com/office/drawing/2014/main" id="{E5106C14-304F-402C-9B88-980E9F15556A}"/>
+              </a:ext>
+            </a:extLst>
+          </p:cNvPr>
+          <p:cNvCxnSpPr>
+            <a:cxnSpLocks/>
+          </p:cNvCxnSpPr>
+          <p:nvPr/>
+        </p:nvCxnSpPr>
+        <p:spPr>
+          <a:xfrm>
+            <a:off x="7161313" y="6768666"/>
+            <a:ext cx="86780" cy="80218"/>
+          </a:xfrm>
+          <a:prstGeom prst="curvedConnector3">
+            <a:avLst>
+              <a:gd name="adj1" fmla="val 220128"/>
+            </a:avLst>
+          </a:prstGeom>
+          <a:ln>
+            <a:solidFill>
+              <a:srgbClr val="0070C0"/>
+            </a:solidFill>
+            <a:prstDash val="dash"/>
+            <a:round/>
+            <a:headEnd type="triangle" w="med" len="med"/>
+            <a:tailEnd type="none" w="med" len="sm"/>
+          </a:ln>
+          <a:scene3d>
+            <a:camera prst="orthographicFront">
+              <a:rot lat="10800000" lon="0" rev="0"/>
+            </a:camera>
+            <a:lightRig rig="threePt" dir="t"/>
+          </a:scene3d>
+        </p:spPr>
+        <p:style>
+          <a:lnRef idx="1">
+            <a:schemeClr val="accent1"/>
+          </a:lnRef>
+          <a:fillRef idx="0">
+            <a:schemeClr val="accent1"/>
+          </a:fillRef>
+          <a:effectRef idx="0">
+            <a:schemeClr val="accent1"/>
+          </a:effectRef>
+          <a:fontRef idx="minor">
+            <a:schemeClr val="tx1"/>
+          </a:fontRef>
+        </p:style>
+      </p:cxnSp>
+      <p:pic>
+        <p:nvPicPr>
+          <p:cNvPr id="163" name="Picture 162">
+            <a:extLst>
+              <a:ext uri="{FF2B5EF4-FFF2-40B4-BE49-F238E27FC236}">
+                <a16:creationId xmlns:a16="http://schemas.microsoft.com/office/drawing/2014/main" id="{7689CF60-25FF-4F39-BC5E-CB95F2AEF993}"/>
+              </a:ext>
+            </a:extLst>
+          </p:cNvPr>
+          <p:cNvPicPr>
+            <a:picLocks noChangeAspect="1"/>
+          </p:cNvPicPr>
+          <p:nvPr/>
+        </p:nvPicPr>
+        <p:blipFill>
+          <a:blip r:embed="rId3"/>
+          <a:stretch>
+            <a:fillRect/>
+          </a:stretch>
+        </p:blipFill>
+        <p:spPr>
+          <a:xfrm>
+            <a:off x="7018173" y="6123204"/>
+            <a:ext cx="1198627" cy="284679"/>
+          </a:xfrm>
+          <a:prstGeom prst="rect">
+            <a:avLst/>
+          </a:prstGeom>
+        </p:spPr>
+      </p:pic>
+      <p:pic>
+        <p:nvPicPr>
+          <p:cNvPr id="165" name="Picture 164">
+            <a:extLst>
+              <a:ext uri="{FF2B5EF4-FFF2-40B4-BE49-F238E27FC236}">
+                <a16:creationId xmlns:a16="http://schemas.microsoft.com/office/drawing/2014/main" id="{86BF2CA3-5BDA-45EA-B4F2-83E152D64780}"/>
+              </a:ext>
+            </a:extLst>
+          </p:cNvPr>
+          <p:cNvPicPr>
+            <a:picLocks noChangeAspect="1"/>
+          </p:cNvPicPr>
+          <p:nvPr/>
+        </p:nvPicPr>
+        <p:blipFill>
+          <a:blip r:embed="rId4"/>
+          <a:stretch>
+            <a:fillRect/>
+          </a:stretch>
+        </p:blipFill>
+        <p:spPr>
+          <a:xfrm>
+            <a:off x="7996681" y="6123205"/>
+            <a:ext cx="1819259" cy="282477"/>
+          </a:xfrm>
+          <a:prstGeom prst="rect">
+            <a:avLst/>
+          </a:prstGeom>
+        </p:spPr>
+      </p:pic>
+      <p:sp>
+        <p:nvSpPr>
+          <p:cNvPr id="159" name="TextBox 158">
+            <a:extLst>
+              <a:ext uri="{FF2B5EF4-FFF2-40B4-BE49-F238E27FC236}">
+                <a16:creationId xmlns:a16="http://schemas.microsoft.com/office/drawing/2014/main" id="{EAB62D8B-1E8B-4F32-B600-1F0524E3D7B3}"/>
+              </a:ext>
+            </a:extLst>
+          </p:cNvPr>
+          <p:cNvSpPr txBox="1"/>
+          <p:nvPr/>
+        </p:nvSpPr>
+        <p:spPr>
+          <a:xfrm>
+            <a:off x="7451614" y="6086852"/>
+            <a:ext cx="2149586" cy="338554"/>
+          </a:xfrm>
+          <a:prstGeom prst="rect">
+            <a:avLst/>
+          </a:prstGeom>
+          <a:noFill/>
+        </p:spPr>
+        <p:txBody>
+          <a:bodyPr wrap="square" rtlCol="0">
+            <a:spAutoFit/>
+          </a:bodyPr>
+          <a:lstStyle/>
+          <a:p>
+            <a:r>
+              <a:rPr lang="en-US" sz="800">
+                <a:solidFill>
+                  <a:srgbClr val="0070C0"/>
+                </a:solidFill>
+              </a:rPr>
+              <a:t>Instantiating CommandResult Object with Keywords History</a:t>
+            </a:r>
+          </a:p>
+        </p:txBody>
+      </p:sp>
+      <p:sp>
+        <p:nvSpPr>
+          <p:cNvPr id="74" name="Rectangle 73">
+            <a:extLst>
+              <a:ext uri="{FF2B5EF4-FFF2-40B4-BE49-F238E27FC236}">
+                <a16:creationId xmlns:a16="http://schemas.microsoft.com/office/drawing/2014/main" id="{9CE8FC6B-E9C2-4706-A757-BF25567897DD}"/>
+              </a:ext>
+            </a:extLst>
+          </p:cNvPr>
+          <p:cNvSpPr/>
+          <p:nvPr/>
+        </p:nvSpPr>
+        <p:spPr>
+          <a:xfrm>
+            <a:off x="9583076" y="3169778"/>
+            <a:ext cx="162920" cy="300177"/>
+          </a:xfrm>
+          <a:prstGeom prst="rect">
+            <a:avLst/>
+          </a:prstGeom>
+          <a:solidFill>
+            <a:srgbClr val="7030A0"/>
+          </a:solidFill>
+          <a:ln>
+            <a:solidFill>
+              <a:srgbClr val="7030A0"/>
+            </a:solidFill>
+          </a:ln>
+          <a:effectLst/>
+        </p:spPr>
+        <p:style>
+          <a:lnRef idx="1">
+            <a:schemeClr val="accent3"/>
+          </a:lnRef>
+          <a:fillRef idx="2">
+            <a:schemeClr val="accent3"/>
+          </a:fillRef>
+          <a:effectRef idx="1">
+            <a:schemeClr val="accent3"/>
+          </a:effectRef>
+          <a:fontRef idx="minor">
+            <a:schemeClr val="dk1"/>
+          </a:fontRef>
+        </p:style>
+        <p:txBody>
+          <a:bodyPr rtlCol="0" anchor="ctr"/>
+          <a:lstStyle/>
+          <a:p>
+            <a:pPr algn="ctr"/>
+            <a:endParaRPr lang="en-SG" sz="1400"/>
+          </a:p>
+        </p:txBody>
+      </p:sp>
+      <p:cxnSp>
+        <p:nvCxnSpPr>
+          <p:cNvPr id="75" name="Straight Arrow Connector 74">
+            <a:extLst>
+              <a:ext uri="{FF2B5EF4-FFF2-40B4-BE49-F238E27FC236}">
+                <a16:creationId xmlns:a16="http://schemas.microsoft.com/office/drawing/2014/main" id="{C2B43876-2315-4216-ACF9-0D6F989FA088}"/>
+              </a:ext>
+            </a:extLst>
+          </p:cNvPr>
+          <p:cNvCxnSpPr>
+            <a:cxnSpLocks/>
+          </p:cNvCxnSpPr>
+          <p:nvPr/>
+        </p:nvCxnSpPr>
+        <p:spPr>
+          <a:xfrm>
+            <a:off x="7242748" y="3169778"/>
+            <a:ext cx="2328033" cy="2769"/>
+          </a:xfrm>
+          <a:prstGeom prst="straightConnector1">
+            <a:avLst/>
+          </a:prstGeom>
+          <a:ln w="19050">
+            <a:solidFill>
+              <a:srgbClr val="0070C0"/>
+            </a:solidFill>
+            <a:tailEnd type="arrow"/>
+          </a:ln>
+        </p:spPr>
+        <p:style>
+          <a:lnRef idx="1">
+            <a:schemeClr val="accent1"/>
+          </a:lnRef>
+          <a:fillRef idx="0">
+            <a:schemeClr val="accent1"/>
+          </a:fillRef>
+          <a:effectRef idx="0">
+            <a:schemeClr val="accent1"/>
+          </a:effectRef>
+          <a:fontRef idx="minor">
+            <a:schemeClr val="tx1"/>
+          </a:fontRef>
+        </p:style>
+      </p:cxnSp>
+      <p:sp>
+        <p:nvSpPr>
+          <p:cNvPr id="59" name="Rectangle 58">
+            <a:extLst>
+              <a:ext uri="{FF2B5EF4-FFF2-40B4-BE49-F238E27FC236}">
+                <a16:creationId xmlns:a16="http://schemas.microsoft.com/office/drawing/2014/main" id="{75F26412-475B-464E-91D4-BD88FCE40E89}"/>
+              </a:ext>
+            </a:extLst>
+          </p:cNvPr>
+          <p:cNvSpPr/>
+          <p:nvPr/>
+        </p:nvSpPr>
+        <p:spPr>
+          <a:xfrm>
+            <a:off x="7093155" y="2976824"/>
+            <a:ext cx="151917" cy="2509573"/>
+          </a:xfrm>
+          <a:prstGeom prst="rect">
+            <a:avLst/>
+          </a:prstGeom>
+          <a:solidFill>
+            <a:srgbClr val="0070C0"/>
+          </a:solidFill>
+          <a:ln w="19050">
+            <a:solidFill>
+              <a:schemeClr val="tx2">
+                <a:lumMod val="40000"/>
+                <a:lumOff val="60000"/>
+              </a:schemeClr>
+            </a:solidFill>
+          </a:ln>
+          <a:effectLst/>
+        </p:spPr>
+        <p:style>
+          <a:lnRef idx="1">
+            <a:schemeClr val="accent3"/>
+          </a:lnRef>
+          <a:fillRef idx="2">
+            <a:schemeClr val="accent3"/>
+          </a:fillRef>
+          <a:effectRef idx="1">
+            <a:schemeClr val="accent3"/>
+          </a:effectRef>
+          <a:fontRef idx="minor">
+            <a:schemeClr val="dk1"/>
+          </a:fontRef>
+        </p:style>
+        <p:txBody>
+          <a:bodyPr rtlCol="0" anchor="ctr"/>
+          <a:lstStyle/>
+          <a:p>
+            <a:pPr algn="ctr"/>
+            <a:endParaRPr lang="en-SG" sz="1400"/>
+          </a:p>
+        </p:txBody>
+      </p:sp>
+      <p:sp>
+        <p:nvSpPr>
+          <p:cNvPr id="77" name="TextBox 76">
+            <a:extLst>
+              <a:ext uri="{FF2B5EF4-FFF2-40B4-BE49-F238E27FC236}">
+                <a16:creationId xmlns:a16="http://schemas.microsoft.com/office/drawing/2014/main" id="{239B4BF2-3E79-441F-959C-2BF4E4C99C91}"/>
+              </a:ext>
+            </a:extLst>
+          </p:cNvPr>
+          <p:cNvSpPr txBox="1"/>
+          <p:nvPr/>
+        </p:nvSpPr>
+        <p:spPr>
+          <a:xfrm>
+            <a:off x="7518207" y="2959453"/>
+            <a:ext cx="1819259" cy="184666"/>
+          </a:xfrm>
+          <a:prstGeom prst="rect">
+            <a:avLst/>
+          </a:prstGeom>
+          <a:noFill/>
+        </p:spPr>
+        <p:txBody>
+          <a:bodyPr wrap="square" lIns="0" tIns="0" rIns="0" bIns="0" rtlCol="0">
+            <a:spAutoFit/>
+          </a:bodyPr>
+          <a:lstStyle>
+            <a:defPPr>
+              <a:defRPr lang="en-US"/>
+            </a:defPPr>
+            <a:lvl1pPr algn="r">
+              <a:defRPr sz="1400">
+                <a:solidFill>
+                  <a:srgbClr val="0070C0"/>
+                </a:solidFill>
+              </a:defRPr>
+            </a:lvl1pPr>
+          </a:lstStyle>
+          <a:p>
+            <a:r>
+              <a:rPr lang="en-US" sz="1200">
+                <a:solidFill>
+                  <a:schemeClr val="accent4">
+                    <a:lumMod val="75000"/>
+                  </a:schemeClr>
+                </a:solidFill>
+              </a:rPr>
+              <a:t>recordKeywords(</a:t>
+            </a:r>
+            <a:r>
+              <a:rPr lang="en-US" sz="1200">
+                <a:solidFill>
+                  <a:srgbClr val="7030A0"/>
+                </a:solidFill>
+              </a:rPr>
+              <a:t>)</a:t>
+            </a:r>
+            <a:endParaRPr lang="en-US" sz="1200" dirty="0"/>
+          </a:p>
+        </p:txBody>
+      </p:sp>
+      <p:sp>
+        <p:nvSpPr>
+          <p:cNvPr id="87" name="Rectangle 62">
+            <a:extLst>
+              <a:ext uri="{FF2B5EF4-FFF2-40B4-BE49-F238E27FC236}">
+                <a16:creationId xmlns:a16="http://schemas.microsoft.com/office/drawing/2014/main" id="{7B3C53D5-A332-4729-AD23-1981CA61F026}"/>
+              </a:ext>
+            </a:extLst>
+          </p:cNvPr>
+          <p:cNvSpPr/>
+          <p:nvPr/>
+        </p:nvSpPr>
+        <p:spPr>
+          <a:xfrm>
+            <a:off x="10358567" y="2325768"/>
+            <a:ext cx="1301131" cy="300180"/>
+          </a:xfrm>
+          <a:prstGeom prst="rect">
+            <a:avLst/>
+          </a:prstGeom>
+          <a:solidFill>
+            <a:srgbClr val="7030A0"/>
+          </a:solidFill>
+          <a:ln w="19050">
+            <a:solidFill>
+              <a:srgbClr val="7030A0"/>
+            </a:solidFill>
+          </a:ln>
+          <a:effectLst/>
+        </p:spPr>
+        <p:style>
+          <a:lnRef idx="1">
+            <a:schemeClr val="accent2"/>
+          </a:lnRef>
+          <a:fillRef idx="2">
+            <a:schemeClr val="accent2"/>
+          </a:fillRef>
+          <a:effectRef idx="1">
+            <a:schemeClr val="accent2"/>
+          </a:effectRef>
+          <a:fontRef idx="minor">
+            <a:schemeClr val="dk1"/>
+          </a:fontRef>
+        </p:style>
+        <p:txBody>
+          <a:bodyPr rtlCol="0" anchor="ctr"/>
+          <a:lstStyle/>
+          <a:p>
+            <a:pPr algn="ctr"/>
+            <a:r>
+              <a:rPr lang="en-US" sz="1200">
+                <a:solidFill>
+                  <a:schemeClr val="bg1"/>
+                </a:solidFill>
+              </a:rPr>
+              <a:t>:KeywordsRecord</a:t>
+            </a:r>
+            <a:endParaRPr lang="en-SG" sz="1200" dirty="0">
+              <a:solidFill>
+                <a:schemeClr val="bg1"/>
+              </a:solidFill>
+            </a:endParaRPr>
+          </a:p>
+        </p:txBody>
+      </p:sp>
+      <p:cxnSp>
+        <p:nvCxnSpPr>
+          <p:cNvPr id="90" name="Straight Connector 89">
+            <a:extLst>
+              <a:ext uri="{FF2B5EF4-FFF2-40B4-BE49-F238E27FC236}">
+                <a16:creationId xmlns:a16="http://schemas.microsoft.com/office/drawing/2014/main" id="{D3881259-AAA9-4C6F-99C8-8BA800C5EB72}"/>
+              </a:ext>
+            </a:extLst>
+          </p:cNvPr>
+          <p:cNvCxnSpPr>
+            <a:cxnSpLocks/>
+          </p:cNvCxnSpPr>
+          <p:nvPr/>
+        </p:nvCxnSpPr>
+        <p:spPr>
+          <a:xfrm flipH="1">
+            <a:off x="11007098" y="2582719"/>
+            <a:ext cx="1" cy="946039"/>
+          </a:xfrm>
+          <a:prstGeom prst="line">
+            <a:avLst/>
+          </a:prstGeom>
+          <a:ln w="19050">
+            <a:solidFill>
+              <a:srgbClr val="7030A0"/>
+            </a:solidFill>
+            <a:prstDash val="sysDash"/>
+          </a:ln>
+          <a:effectLst/>
+        </p:spPr>
+        <p:style>
+          <a:lnRef idx="1">
+            <a:schemeClr val="accent1"/>
+          </a:lnRef>
+          <a:fillRef idx="2">
+            <a:schemeClr val="accent1"/>
+          </a:fillRef>
+          <a:effectRef idx="1">
+            <a:schemeClr val="accent1"/>
+          </a:effectRef>
+          <a:fontRef idx="minor">
+            <a:schemeClr val="dk1"/>
+          </a:fontRef>
+        </p:style>
+      </p:cxnSp>
+      <p:cxnSp>
+        <p:nvCxnSpPr>
+          <p:cNvPr id="96" name="Straight Arrow Connector 95">
+            <a:extLst>
+              <a:ext uri="{FF2B5EF4-FFF2-40B4-BE49-F238E27FC236}">
+                <a16:creationId xmlns:a16="http://schemas.microsoft.com/office/drawing/2014/main" id="{BDA92E85-16AB-4479-9627-1FE44545690B}"/>
+              </a:ext>
+            </a:extLst>
+          </p:cNvPr>
+          <p:cNvCxnSpPr>
+            <a:cxnSpLocks/>
+          </p:cNvCxnSpPr>
+          <p:nvPr/>
+        </p:nvCxnSpPr>
+        <p:spPr>
+          <a:xfrm>
+            <a:off x="9754538" y="3246166"/>
+            <a:ext cx="1169367" cy="0"/>
+          </a:xfrm>
+          <a:prstGeom prst="straightConnector1">
+            <a:avLst/>
+          </a:prstGeom>
+          <a:ln w="19050">
+            <a:solidFill>
+              <a:srgbClr val="7030A0"/>
+            </a:solidFill>
+            <a:tailEnd type="arrow"/>
+          </a:ln>
+        </p:spPr>
+        <p:style>
+          <a:lnRef idx="1">
+            <a:schemeClr val="accent1"/>
+          </a:lnRef>
+          <a:fillRef idx="0">
+            <a:schemeClr val="accent1"/>
+          </a:fillRef>
+          <a:effectRef idx="0">
+            <a:schemeClr val="accent1"/>
+          </a:effectRef>
+          <a:fontRef idx="minor">
+            <a:schemeClr val="tx1"/>
+          </a:fontRef>
+        </p:style>
+      </p:cxnSp>
+      <p:sp>
+        <p:nvSpPr>
+          <p:cNvPr id="100" name="TextBox 99">
+            <a:extLst>
+              <a:ext uri="{FF2B5EF4-FFF2-40B4-BE49-F238E27FC236}">
+                <a16:creationId xmlns:a16="http://schemas.microsoft.com/office/drawing/2014/main" id="{AAA24053-3E9C-497D-AB37-C789D9134E33}"/>
+              </a:ext>
+            </a:extLst>
+          </p:cNvPr>
+          <p:cNvSpPr txBox="1"/>
+          <p:nvPr/>
+        </p:nvSpPr>
+        <p:spPr>
+          <a:xfrm>
+            <a:off x="9045261" y="2990999"/>
+            <a:ext cx="1819259" cy="184666"/>
+          </a:xfrm>
+          <a:prstGeom prst="rect">
+            <a:avLst/>
+          </a:prstGeom>
+          <a:noFill/>
+        </p:spPr>
+        <p:txBody>
+          <a:bodyPr wrap="square" lIns="0" tIns="0" rIns="0" bIns="0" rtlCol="0">
+            <a:spAutoFit/>
+          </a:bodyPr>
+          <a:lstStyle>
+            <a:defPPr>
+              <a:defRPr lang="en-US"/>
+            </a:defPPr>
+            <a:lvl1pPr algn="r">
+              <a:defRPr sz="1400">
+                <a:solidFill>
+                  <a:srgbClr val="0070C0"/>
+                </a:solidFill>
+              </a:defRPr>
+            </a:lvl1pPr>
+          </a:lstStyle>
+          <a:p>
+            <a:r>
+              <a:rPr lang="en-US" sz="1200">
+                <a:solidFill>
+                  <a:schemeClr val="accent4">
+                    <a:lumMod val="75000"/>
+                  </a:schemeClr>
+                </a:solidFill>
+              </a:rPr>
+              <a:t>recordKeywords(</a:t>
+            </a:r>
+            <a:r>
+              <a:rPr lang="en-US" sz="1200">
+                <a:solidFill>
+                  <a:srgbClr val="7030A0"/>
+                </a:solidFill>
+              </a:rPr>
+              <a:t>)</a:t>
+            </a:r>
+            <a:endParaRPr lang="en-US" sz="1200" dirty="0"/>
+          </a:p>
+        </p:txBody>
+      </p:sp>
+      <p:sp>
+        <p:nvSpPr>
+          <p:cNvPr id="101" name="Rectangle 100">
+            <a:extLst>
+              <a:ext uri="{FF2B5EF4-FFF2-40B4-BE49-F238E27FC236}">
+                <a16:creationId xmlns:a16="http://schemas.microsoft.com/office/drawing/2014/main" id="{7E8208AF-D4FE-41C1-9BD1-28AF1C1E3B9E}"/>
+              </a:ext>
+            </a:extLst>
+          </p:cNvPr>
+          <p:cNvSpPr/>
+          <p:nvPr/>
+        </p:nvSpPr>
+        <p:spPr>
+          <a:xfrm>
+            <a:off x="10925638" y="3246165"/>
+            <a:ext cx="162920" cy="115547"/>
+          </a:xfrm>
+          <a:prstGeom prst="rect">
+            <a:avLst/>
+          </a:prstGeom>
+          <a:solidFill>
+            <a:srgbClr val="7030A0"/>
+          </a:solidFill>
+          <a:ln>
+            <a:solidFill>
+              <a:srgbClr val="7030A0"/>
+            </a:solidFill>
+          </a:ln>
+          <a:effectLst/>
+        </p:spPr>
+        <p:style>
+          <a:lnRef idx="1">
+            <a:schemeClr val="accent3"/>
+          </a:lnRef>
+          <a:fillRef idx="2">
+            <a:schemeClr val="accent3"/>
+          </a:fillRef>
+          <a:effectRef idx="1">
+            <a:schemeClr val="accent3"/>
+          </a:effectRef>
+          <a:fontRef idx="minor">
+            <a:schemeClr val="dk1"/>
+          </a:fontRef>
+        </p:style>
+        <p:txBody>
+          <a:bodyPr rtlCol="0" anchor="ctr"/>
+          <a:lstStyle/>
+          <a:p>
+            <a:pPr algn="ctr"/>
+            <a:endParaRPr lang="en-SG" sz="1400"/>
+          </a:p>
+        </p:txBody>
+      </p:sp>
+      <p:sp>
+        <p:nvSpPr>
+          <p:cNvPr id="105" name="TextBox 104">
+            <a:extLst>
+              <a:ext uri="{FF2B5EF4-FFF2-40B4-BE49-F238E27FC236}">
+                <a16:creationId xmlns:a16="http://schemas.microsoft.com/office/drawing/2014/main" id="{2E083BD1-B476-49CC-B33C-BC374A6DAD91}"/>
+              </a:ext>
+            </a:extLst>
+          </p:cNvPr>
+          <p:cNvSpPr txBox="1"/>
+          <p:nvPr/>
+        </p:nvSpPr>
+        <p:spPr>
+          <a:xfrm>
+            <a:off x="6129611" y="1803994"/>
+            <a:ext cx="220343" cy="215444"/>
+          </a:xfrm>
+          <a:prstGeom prst="rect">
+            <a:avLst/>
+          </a:prstGeom>
+          <a:noFill/>
+        </p:spPr>
+        <p:txBody>
+          <a:bodyPr wrap="square" lIns="0" tIns="0" rIns="0" bIns="0" rtlCol="0">
+            <a:spAutoFit/>
+          </a:bodyPr>
+          <a:lstStyle>
+            <a:defPPr>
+              <a:defRPr lang="en-US"/>
+            </a:defPPr>
+            <a:lvl1pPr algn="r">
+              <a:defRPr sz="1400">
+                <a:solidFill>
+                  <a:srgbClr val="0070C0"/>
+                </a:solidFill>
+              </a:defRPr>
+            </a:lvl1pPr>
+          </a:lstStyle>
+          <a:p>
+            <a:r>
+              <a:rPr lang="en-US" dirty="0"/>
+              <a:t>f</a:t>
+            </a:r>
+          </a:p>
+        </p:txBody>
+      </p:sp>
+      <p:sp>
+        <p:nvSpPr>
+          <p:cNvPr id="108" name="TextBox 107">
+            <a:extLst>
+              <a:ext uri="{FF2B5EF4-FFF2-40B4-BE49-F238E27FC236}">
+                <a16:creationId xmlns:a16="http://schemas.microsoft.com/office/drawing/2014/main" id="{2B5E086A-7E0A-474E-A425-B7E392D68D3F}"/>
+              </a:ext>
+            </a:extLst>
+          </p:cNvPr>
+          <p:cNvSpPr txBox="1"/>
+          <p:nvPr/>
+        </p:nvSpPr>
+        <p:spPr>
+          <a:xfrm>
+            <a:off x="6839712" y="6659041"/>
+            <a:ext cx="1309825" cy="138499"/>
+          </a:xfrm>
+          <a:prstGeom prst="rect">
+            <a:avLst/>
+          </a:prstGeom>
+          <a:noFill/>
+        </p:spPr>
+        <p:txBody>
+          <a:bodyPr wrap="square" lIns="0" tIns="0" rIns="0" bIns="0" rtlCol="0">
+            <a:spAutoFit/>
+          </a:bodyPr>
+          <a:lstStyle>
+            <a:defPPr>
+              <a:defRPr lang="en-US"/>
+            </a:defPPr>
+            <a:lvl1pPr algn="r">
+              <a:defRPr sz="1400">
+                <a:solidFill>
+                  <a:srgbClr val="0070C0"/>
+                </a:solidFill>
+              </a:defRPr>
+            </a:lvl1pPr>
+          </a:lstStyle>
+          <a:p>
+            <a:r>
+              <a:rPr lang="en-US" sz="900"/>
+              <a:t>CommandResult</a:t>
+            </a:r>
+            <a:endParaRPr lang="en-US" sz="900" dirty="0"/>
+          </a:p>
+        </p:txBody>
+      </p:sp>
+      <p:sp>
+        <p:nvSpPr>
+          <p:cNvPr id="109" name="TextBox 108">
+            <a:extLst>
+              <a:ext uri="{FF2B5EF4-FFF2-40B4-BE49-F238E27FC236}">
+                <a16:creationId xmlns:a16="http://schemas.microsoft.com/office/drawing/2014/main" id="{78F6323D-ACF7-4E48-98B7-20560CA5A143}"/>
+              </a:ext>
+            </a:extLst>
+          </p:cNvPr>
+          <p:cNvSpPr txBox="1"/>
+          <p:nvPr/>
+        </p:nvSpPr>
+        <p:spPr>
+          <a:xfrm>
+            <a:off x="12456264" y="4606557"/>
+            <a:ext cx="628207" cy="138499"/>
+          </a:xfrm>
+          <a:prstGeom prst="rect">
+            <a:avLst/>
+          </a:prstGeom>
+          <a:noFill/>
+          <a:ln>
+            <a:noFill/>
+          </a:ln>
+        </p:spPr>
+        <p:txBody>
+          <a:bodyPr wrap="square" lIns="0" tIns="0" rIns="0" bIns="0" rtlCol="0">
+            <a:spAutoFit/>
+          </a:bodyPr>
+          <a:lstStyle>
+            <a:defPPr>
+              <a:defRPr lang="en-US"/>
+            </a:defPPr>
+            <a:lvl1pPr algn="r">
+              <a:defRPr sz="1400">
+                <a:solidFill>
+                  <a:srgbClr val="0070C0"/>
+                </a:solidFill>
+              </a:defRPr>
+            </a:lvl1pPr>
+          </a:lstStyle>
+          <a:p>
+            <a:r>
+              <a:rPr lang="en-US" sz="900">
+                <a:solidFill>
+                  <a:schemeClr val="accent4">
+                    <a:lumMod val="75000"/>
+                  </a:schemeClr>
+                </a:solidFill>
+              </a:rPr>
+              <a:t>Predicate</a:t>
+            </a:r>
+            <a:endParaRPr lang="en-US" sz="900" dirty="0">
+              <a:solidFill>
+                <a:schemeClr val="accent4">
+                  <a:lumMod val="75000"/>
+                </a:schemeClr>
+              </a:solidFill>
+            </a:endParaRPr>
+          </a:p>
+        </p:txBody>
+      </p:sp>
     </p:spTree>
     <p:extLst>
       <p:ext uri="{BB962C8B-B14F-4D97-AF65-F5344CB8AC3E}">

--- a/docs/diagrams/SearchPruningSequenceDiagram.pptx
+++ b/docs/diagrams/SearchPruningSequenceDiagram.pptx
@@ -208,7 +208,7 @@
           <a:p>
             <a:fld id="{F5CC4B3F-88C1-4FFA-B1B6-F41C21DC6924}" type="datetimeFigureOut">
               <a:rPr lang="en-US" smtClean="0"/>
-              <a:t>11/11/2018</a:t>
+              <a:t>11/12/2018</a:t>
             </a:fld>
             <a:endParaRPr lang="en-US"/>
           </a:p>
@@ -738,7 +738,7 @@
           <a:p>
             <a:fld id="{78C97017-6FC3-485B-9764-EAC9E56C1D49}" type="datetimeFigureOut">
               <a:rPr lang="en-US" smtClean="0"/>
-              <a:t>11/11/2018</a:t>
+              <a:t>11/12/2018</a:t>
             </a:fld>
             <a:endParaRPr lang="en-US"/>
           </a:p>
@@ -906,7 +906,7 @@
           <a:p>
             <a:fld id="{78C97017-6FC3-485B-9764-EAC9E56C1D49}" type="datetimeFigureOut">
               <a:rPr lang="en-US" smtClean="0"/>
-              <a:t>11/11/2018</a:t>
+              <a:t>11/12/2018</a:t>
             </a:fld>
             <a:endParaRPr lang="en-US"/>
           </a:p>
@@ -1084,7 +1084,7 @@
           <a:p>
             <a:fld id="{78C97017-6FC3-485B-9764-EAC9E56C1D49}" type="datetimeFigureOut">
               <a:rPr lang="en-US" smtClean="0"/>
-              <a:t>11/11/2018</a:t>
+              <a:t>11/12/2018</a:t>
             </a:fld>
             <a:endParaRPr lang="en-US"/>
           </a:p>
@@ -1252,7 +1252,7 @@
           <a:p>
             <a:fld id="{78C97017-6FC3-485B-9764-EAC9E56C1D49}" type="datetimeFigureOut">
               <a:rPr lang="en-US" smtClean="0"/>
-              <a:t>11/11/2018</a:t>
+              <a:t>11/12/2018</a:t>
             </a:fld>
             <a:endParaRPr lang="en-US"/>
           </a:p>
@@ -1497,7 +1497,7 @@
           <a:p>
             <a:fld id="{78C97017-6FC3-485B-9764-EAC9E56C1D49}" type="datetimeFigureOut">
               <a:rPr lang="en-US" smtClean="0"/>
-              <a:t>11/11/2018</a:t>
+              <a:t>11/12/2018</a:t>
             </a:fld>
             <a:endParaRPr lang="en-US"/>
           </a:p>
@@ -1782,7 +1782,7 @@
           <a:p>
             <a:fld id="{78C97017-6FC3-485B-9764-EAC9E56C1D49}" type="datetimeFigureOut">
               <a:rPr lang="en-US" smtClean="0"/>
-              <a:t>11/11/2018</a:t>
+              <a:t>11/12/2018</a:t>
             </a:fld>
             <a:endParaRPr lang="en-US"/>
           </a:p>
@@ -2201,7 +2201,7 @@
           <a:p>
             <a:fld id="{78C97017-6FC3-485B-9764-EAC9E56C1D49}" type="datetimeFigureOut">
               <a:rPr lang="en-US" smtClean="0"/>
-              <a:t>11/11/2018</a:t>
+              <a:t>11/12/2018</a:t>
             </a:fld>
             <a:endParaRPr lang="en-US"/>
           </a:p>
@@ -2318,7 +2318,7 @@
           <a:p>
             <a:fld id="{78C97017-6FC3-485B-9764-EAC9E56C1D49}" type="datetimeFigureOut">
               <a:rPr lang="en-US" smtClean="0"/>
-              <a:t>11/11/2018</a:t>
+              <a:t>11/12/2018</a:t>
             </a:fld>
             <a:endParaRPr lang="en-US"/>
           </a:p>
@@ -2413,7 +2413,7 @@
           <a:p>
             <a:fld id="{78C97017-6FC3-485B-9764-EAC9E56C1D49}" type="datetimeFigureOut">
               <a:rPr lang="en-US" smtClean="0"/>
-              <a:t>11/11/2018</a:t>
+              <a:t>11/12/2018</a:t>
             </a:fld>
             <a:endParaRPr lang="en-US"/>
           </a:p>
@@ -2688,7 +2688,7 @@
           <a:p>
             <a:fld id="{78C97017-6FC3-485B-9764-EAC9E56C1D49}" type="datetimeFigureOut">
               <a:rPr lang="en-US" smtClean="0"/>
-              <a:t>11/11/2018</a:t>
+              <a:t>11/12/2018</a:t>
             </a:fld>
             <a:endParaRPr lang="en-US"/>
           </a:p>
@@ -2940,7 +2940,7 @@
           <a:p>
             <a:fld id="{78C97017-6FC3-485B-9764-EAC9E56C1D49}" type="datetimeFigureOut">
               <a:rPr lang="en-US" smtClean="0"/>
-              <a:t>11/11/2018</a:t>
+              <a:t>11/12/2018</a:t>
             </a:fld>
             <a:endParaRPr lang="en-US"/>
           </a:p>
@@ -3151,7 +3151,7 @@
           <a:p>
             <a:fld id="{78C97017-6FC3-485B-9764-EAC9E56C1D49}" type="datetimeFigureOut">
               <a:rPr lang="en-US" smtClean="0"/>
-              <a:t>11/11/2018</a:t>
+              <a:t>11/12/2018</a:t>
             </a:fld>
             <a:endParaRPr lang="en-US"/>
           </a:p>
@@ -5030,8 +5030,8 @@
         </p:nvSpPr>
         <p:spPr>
           <a:xfrm>
-            <a:off x="12278745" y="3942458"/>
-            <a:ext cx="1812599" cy="153888"/>
+            <a:off x="12361317" y="3941617"/>
+            <a:ext cx="1812599" cy="169277"/>
           </a:xfrm>
           <a:prstGeom prst="rect">
             <a:avLst/>
@@ -5056,12 +5056,20 @@
           </a:lstStyle>
           <a:p>
             <a:r>
+              <a:rPr lang="en-US" sz="1100">
+                <a:solidFill>
+                  <a:srgbClr val="7030A0"/>
+                </a:solidFill>
+              </a:rPr>
+              <a:t>addNewPredicate</a:t>
+            </a:r>
+            <a:r>
               <a:rPr lang="en-US" sz="1000">
                 <a:solidFill>
                   <a:srgbClr val="7030A0"/>
                 </a:solidFill>
               </a:rPr>
-              <a:t>addNewPredicate(Predicate)</a:t>
+              <a:t>(Predicate)</a:t>
             </a:r>
             <a:endParaRPr lang="en-US" sz="1000" dirty="0"/>
           </a:p>
@@ -5613,8 +5621,8 @@
         </p:nvSpPr>
         <p:spPr>
           <a:xfrm>
-            <a:off x="11563414" y="4321629"/>
-            <a:ext cx="2769570" cy="153888"/>
+            <a:off x="11639161" y="4319432"/>
+            <a:ext cx="2769570" cy="161583"/>
           </a:xfrm>
           <a:prstGeom prst="rect">
             <a:avLst/>
@@ -5639,14 +5647,14 @@
           </a:lstStyle>
           <a:p>
             <a:r>
-              <a:rPr lang="en-US" sz="1000">
+              <a:rPr lang="en-US" sz="1050">
                 <a:solidFill>
                   <a:srgbClr val="7030A0"/>
                 </a:solidFill>
               </a:rPr>
               <a:t>retrievePredicateAtTopOfStack()</a:t>
             </a:r>
-            <a:endParaRPr lang="en-US" sz="1000" dirty="0"/>
+            <a:endParaRPr lang="en-US" sz="1050" dirty="0"/>
           </a:p>
         </p:txBody>
       </p:sp>
@@ -5976,7 +5984,7 @@
         </p:nvSpPr>
         <p:spPr>
           <a:xfrm>
-            <a:off x="7506621" y="3361712"/>
+            <a:off x="7601886" y="3361129"/>
             <a:ext cx="1819259" cy="184666"/>
           </a:xfrm>
           <a:prstGeom prst="rect">
@@ -6009,7 +6017,7 @@
                   </a:schemeClr>
                 </a:solidFill>
               </a:rPr>
-              <a:t>executeSearch(</a:t>
+              <a:t>executeSearch(Predicate</a:t>
             </a:r>
             <a:r>
               <a:rPr lang="en-US" sz="1200">
@@ -6179,7 +6187,7 @@
         <p:spPr>
           <a:xfrm>
             <a:off x="9906000" y="3731341"/>
-            <a:ext cx="1819259" cy="184666"/>
+            <a:ext cx="1886520" cy="184666"/>
           </a:xfrm>
           <a:prstGeom prst="rect">
             <a:avLst/>
@@ -6211,7 +6219,7 @@
                   </a:schemeClr>
                 </a:solidFill>
               </a:rPr>
-              <a:t>executeNewSearch(</a:t>
+              <a:t>executeNewSearch(Predicate</a:t>
             </a:r>
             <a:r>
               <a:rPr lang="en-US" sz="1200">
@@ -6348,7 +6356,7 @@
         </p:nvSpPr>
         <p:spPr>
           <a:xfrm>
-            <a:off x="11658600" y="4846924"/>
+            <a:off x="12049141" y="4846924"/>
             <a:ext cx="1819259" cy="184666"/>
           </a:xfrm>
           <a:prstGeom prst="rect">
@@ -6381,7 +6389,7 @@
                   </a:schemeClr>
                 </a:solidFill>
               </a:rPr>
-              <a:t>setPredicate(</a:t>
+              <a:t>setPredicate(Predicate</a:t>
             </a:r>
             <a:r>
               <a:rPr lang="en-US" sz="1200">
@@ -6565,7 +6573,7 @@
         <p:spPr>
           <a:xfrm>
             <a:off x="7169703" y="5549518"/>
-            <a:ext cx="2167763" cy="138499"/>
+            <a:ext cx="2352509" cy="153888"/>
           </a:xfrm>
           <a:prstGeom prst="rect">
             <a:avLst/>
@@ -6590,10 +6598,10 @@
           </a:lstStyle>
           <a:p>
             <a:r>
-              <a:rPr lang="en-US" sz="900"/>
+              <a:rPr lang="en-US" sz="1000"/>
               <a:t>getCommandResultsWithKeywordsHistory()</a:t>
             </a:r>
-            <a:endParaRPr lang="en-US" sz="900" dirty="0"/>
+            <a:endParaRPr lang="en-US" sz="1000" dirty="0"/>
           </a:p>
         </p:txBody>
       </p:sp>
@@ -6652,105 +6660,6 @@
           </a:fontRef>
         </p:style>
       </p:cxnSp>
-      <p:pic>
-        <p:nvPicPr>
-          <p:cNvPr id="163" name="Picture 162">
-            <a:extLst>
-              <a:ext uri="{FF2B5EF4-FFF2-40B4-BE49-F238E27FC236}">
-                <a16:creationId xmlns:a16="http://schemas.microsoft.com/office/drawing/2014/main" id="{7689CF60-25FF-4F39-BC5E-CB95F2AEF993}"/>
-              </a:ext>
-            </a:extLst>
-          </p:cNvPr>
-          <p:cNvPicPr>
-            <a:picLocks noChangeAspect="1"/>
-          </p:cNvPicPr>
-          <p:nvPr/>
-        </p:nvPicPr>
-        <p:blipFill>
-          <a:blip r:embed="rId3"/>
-          <a:stretch>
-            <a:fillRect/>
-          </a:stretch>
-        </p:blipFill>
-        <p:spPr>
-          <a:xfrm>
-            <a:off x="7018173" y="6123204"/>
-            <a:ext cx="1198627" cy="284679"/>
-          </a:xfrm>
-          <a:prstGeom prst="rect">
-            <a:avLst/>
-          </a:prstGeom>
-        </p:spPr>
-      </p:pic>
-      <p:pic>
-        <p:nvPicPr>
-          <p:cNvPr id="165" name="Picture 164">
-            <a:extLst>
-              <a:ext uri="{FF2B5EF4-FFF2-40B4-BE49-F238E27FC236}">
-                <a16:creationId xmlns:a16="http://schemas.microsoft.com/office/drawing/2014/main" id="{86BF2CA3-5BDA-45EA-B4F2-83E152D64780}"/>
-              </a:ext>
-            </a:extLst>
-          </p:cNvPr>
-          <p:cNvPicPr>
-            <a:picLocks noChangeAspect="1"/>
-          </p:cNvPicPr>
-          <p:nvPr/>
-        </p:nvPicPr>
-        <p:blipFill>
-          <a:blip r:embed="rId4"/>
-          <a:stretch>
-            <a:fillRect/>
-          </a:stretch>
-        </p:blipFill>
-        <p:spPr>
-          <a:xfrm>
-            <a:off x="7996681" y="6123205"/>
-            <a:ext cx="1819259" cy="282477"/>
-          </a:xfrm>
-          <a:prstGeom prst="rect">
-            <a:avLst/>
-          </a:prstGeom>
-        </p:spPr>
-      </p:pic>
-      <p:sp>
-        <p:nvSpPr>
-          <p:cNvPr id="159" name="TextBox 158">
-            <a:extLst>
-              <a:ext uri="{FF2B5EF4-FFF2-40B4-BE49-F238E27FC236}">
-                <a16:creationId xmlns:a16="http://schemas.microsoft.com/office/drawing/2014/main" id="{EAB62D8B-1E8B-4F32-B600-1F0524E3D7B3}"/>
-              </a:ext>
-            </a:extLst>
-          </p:cNvPr>
-          <p:cNvSpPr txBox="1"/>
-          <p:nvPr/>
-        </p:nvSpPr>
-        <p:spPr>
-          <a:xfrm>
-            <a:off x="7451614" y="6086852"/>
-            <a:ext cx="2149586" cy="338554"/>
-          </a:xfrm>
-          <a:prstGeom prst="rect">
-            <a:avLst/>
-          </a:prstGeom>
-          <a:noFill/>
-        </p:spPr>
-        <p:txBody>
-          <a:bodyPr wrap="square" rtlCol="0">
-            <a:spAutoFit/>
-          </a:bodyPr>
-          <a:lstStyle/>
-          <a:p>
-            <a:r>
-              <a:rPr lang="en-US" sz="800">
-                <a:solidFill>
-                  <a:srgbClr val="0070C0"/>
-                </a:solidFill>
-              </a:rPr>
-              <a:t>Instantiating CommandResult Object with Keywords History</a:t>
-            </a:r>
-          </a:p>
-        </p:txBody>
-      </p:sp>
       <p:sp>
         <p:nvSpPr>
           <p:cNvPr id="74" name="Rectangle 73">
@@ -6918,8 +6827,8 @@
         </p:nvSpPr>
         <p:spPr>
           <a:xfrm>
-            <a:off x="7518207" y="2959453"/>
-            <a:ext cx="1819259" cy="184666"/>
+            <a:off x="6447448" y="2985802"/>
+            <a:ext cx="3118585" cy="153888"/>
           </a:xfrm>
           <a:prstGeom prst="rect">
             <a:avLst/>
@@ -6944,24 +6853,24 @@
           </a:lstStyle>
           <a:p>
             <a:r>
-              <a:rPr lang="en-US" sz="1200">
+              <a:rPr lang="en-US" sz="1000">
                 <a:solidFill>
                   <a:schemeClr val="accent4">
                     <a:lumMod val="75000"/>
                   </a:schemeClr>
                 </a:solidFill>
               </a:rPr>
-              <a:t>recordKeywords(</a:t>
-            </a:r>
-            <a:r>
-              <a:rPr lang="en-US" sz="1200">
+              <a:t>recordKeywords(KeywordType, Keywords</a:t>
+            </a:r>
+            <a:r>
+              <a:rPr lang="en-US" sz="1000">
                 <a:solidFill>
                   <a:srgbClr val="7030A0"/>
                 </a:solidFill>
               </a:rPr>
               <a:t>)</a:t>
             </a:r>
-            <a:endParaRPr lang="en-US" sz="1200" dirty="0"/>
+            <a:endParaRPr lang="en-US" sz="1000" dirty="0"/>
           </a:p>
         </p:txBody>
       </p:sp>
@@ -6979,7 +6888,7 @@
         </p:nvSpPr>
         <p:spPr>
           <a:xfrm>
-            <a:off x="10358567" y="2325768"/>
+            <a:off x="10433669" y="2325768"/>
             <a:ext cx="1301131" cy="300180"/>
           </a:xfrm>
           <a:prstGeom prst="rect">
@@ -7046,7 +6955,7 @@
         </p:nvCxnSpPr>
         <p:spPr>
           <a:xfrm flipH="1">
-            <a:off x="11007098" y="2582719"/>
+            <a:off x="11082200" y="2582719"/>
             <a:ext cx="1" cy="946039"/>
           </a:xfrm>
           <a:prstGeom prst="line">
@@ -7090,9 +6999,9 @@
           <p:nvPr/>
         </p:nvCxnSpPr>
         <p:spPr>
-          <a:xfrm>
-            <a:off x="9754538" y="3246166"/>
-            <a:ext cx="1169367" cy="0"/>
+          <a:xfrm flipV="1">
+            <a:off x="9754538" y="3246165"/>
+            <a:ext cx="1263205" cy="1"/>
           </a:xfrm>
           <a:prstGeom prst="straightConnector1">
             <a:avLst/>
@@ -7133,8 +7042,8 @@
         </p:nvSpPr>
         <p:spPr>
           <a:xfrm>
-            <a:off x="9045261" y="2990999"/>
-            <a:ext cx="1819259" cy="184666"/>
+            <a:off x="8301741" y="2837096"/>
+            <a:ext cx="2747259" cy="307777"/>
           </a:xfrm>
           <a:prstGeom prst="rect">
             <a:avLst/>
@@ -7159,24 +7068,36 @@
           </a:lstStyle>
           <a:p>
             <a:r>
-              <a:rPr lang="en-US" sz="1200">
+              <a:rPr lang="en-US" sz="1000">
                 <a:solidFill>
                   <a:schemeClr val="accent4">
                     <a:lumMod val="75000"/>
                   </a:schemeClr>
                 </a:solidFill>
               </a:rPr>
-              <a:t>recordKeywords(</a:t>
-            </a:r>
-            <a:r>
-              <a:rPr lang="en-US" sz="1200">
+              <a:t>recordKeywords</a:t>
+            </a:r>
+          </a:p>
+          <a:p>
+            <a:r>
+              <a:rPr lang="en-US" sz="1000">
+                <a:solidFill>
+                  <a:schemeClr val="accent4">
+                    <a:lumMod val="75000"/>
+                  </a:schemeClr>
+                </a:solidFill>
+              </a:rPr>
+              <a:t>(KeywordType, Keywords</a:t>
+            </a:r>
+            <a:r>
+              <a:rPr lang="en-US" sz="1000">
                 <a:solidFill>
                   <a:srgbClr val="7030A0"/>
                 </a:solidFill>
               </a:rPr>
               <a:t>)</a:t>
             </a:r>
-            <a:endParaRPr lang="en-US" sz="1200" dirty="0"/>
+            <a:endParaRPr lang="en-US" sz="1000" dirty="0"/>
           </a:p>
         </p:txBody>
       </p:sp>
@@ -7194,7 +7115,7 @@
         </p:nvSpPr>
         <p:spPr>
           <a:xfrm>
-            <a:off x="10925638" y="3246165"/>
+            <a:off x="11000740" y="3246165"/>
             <a:ext cx="162920" cy="115547"/>
           </a:xfrm>
           <a:prstGeom prst="rect">
@@ -7293,8 +7214,8 @@
         </p:nvSpPr>
         <p:spPr>
           <a:xfrm>
-            <a:off x="6839712" y="6659041"/>
-            <a:ext cx="1309825" cy="138499"/>
+            <a:off x="7139603" y="6645736"/>
+            <a:ext cx="1309825" cy="184666"/>
           </a:xfrm>
           <a:prstGeom prst="rect">
             <a:avLst/>
@@ -7319,10 +7240,10 @@
           </a:lstStyle>
           <a:p>
             <a:r>
-              <a:rPr lang="en-US" sz="900"/>
+              <a:rPr lang="en-US" sz="1200"/>
               <a:t>CommandResult</a:t>
             </a:r>
-            <a:endParaRPr lang="en-US" sz="900" dirty="0"/>
+            <a:endParaRPr lang="en-US" sz="1200" dirty="0"/>
           </a:p>
         </p:txBody>
       </p:sp>
@@ -7340,8 +7261,8 @@
         </p:nvSpPr>
         <p:spPr>
           <a:xfrm>
-            <a:off x="12456264" y="4606557"/>
-            <a:ext cx="628207" cy="138499"/>
+            <a:off x="12624184" y="4580563"/>
+            <a:ext cx="628207" cy="184666"/>
           </a:xfrm>
           <a:prstGeom prst="rect">
             <a:avLst/>
@@ -7369,7 +7290,7 @@
           </a:lstStyle>
           <a:p>
             <a:r>
-              <a:rPr lang="en-US" sz="900">
+              <a:rPr lang="en-US" sz="1200">
                 <a:solidFill>
                   <a:schemeClr val="accent4">
                     <a:lumMod val="75000"/>
@@ -7378,13 +7299,111 @@
               </a:rPr>
               <a:t>Predicate</a:t>
             </a:r>
-            <a:endParaRPr lang="en-US" sz="900" dirty="0">
+            <a:endParaRPr lang="en-US" sz="1200" dirty="0">
               <a:solidFill>
                 <a:schemeClr val="accent4">
                   <a:lumMod val="75000"/>
                 </a:schemeClr>
               </a:solidFill>
             </a:endParaRPr>
+          </a:p>
+        </p:txBody>
+      </p:sp>
+      <p:pic>
+        <p:nvPicPr>
+          <p:cNvPr id="95" name="Picture 94">
+            <a:extLst>
+              <a:ext uri="{FF2B5EF4-FFF2-40B4-BE49-F238E27FC236}">
+                <a16:creationId xmlns:a16="http://schemas.microsoft.com/office/drawing/2014/main" id="{5C51A8C6-78CF-4A5F-9691-76B7332F00BB}"/>
+              </a:ext>
+            </a:extLst>
+          </p:cNvPr>
+          <p:cNvPicPr>
+            <a:picLocks noChangeAspect="1"/>
+          </p:cNvPicPr>
+          <p:nvPr/>
+        </p:nvPicPr>
+        <p:blipFill>
+          <a:blip r:embed="rId3"/>
+          <a:stretch>
+            <a:fillRect/>
+          </a:stretch>
+        </p:blipFill>
+        <p:spPr>
+          <a:xfrm>
+            <a:off x="7023037" y="6048218"/>
+            <a:ext cx="1802478" cy="428094"/>
+          </a:xfrm>
+          <a:prstGeom prst="rect">
+            <a:avLst/>
+          </a:prstGeom>
+        </p:spPr>
+      </p:pic>
+      <p:pic>
+        <p:nvPicPr>
+          <p:cNvPr id="112" name="Picture 111">
+            <a:extLst>
+              <a:ext uri="{FF2B5EF4-FFF2-40B4-BE49-F238E27FC236}">
+                <a16:creationId xmlns:a16="http://schemas.microsoft.com/office/drawing/2014/main" id="{70FCB413-88B5-4F8C-80D7-32DF3D32076E}"/>
+              </a:ext>
+            </a:extLst>
+          </p:cNvPr>
+          <p:cNvPicPr>
+            <a:picLocks noChangeAspect="1"/>
+          </p:cNvPicPr>
+          <p:nvPr/>
+        </p:nvPicPr>
+        <p:blipFill>
+          <a:blip r:embed="rId4"/>
+          <a:stretch>
+            <a:fillRect/>
+          </a:stretch>
+        </p:blipFill>
+        <p:spPr>
+          <a:xfrm>
+            <a:off x="7467600" y="6048773"/>
+            <a:ext cx="2353740" cy="424784"/>
+          </a:xfrm>
+          <a:prstGeom prst="rect">
+            <a:avLst/>
+          </a:prstGeom>
+        </p:spPr>
+      </p:pic>
+      <p:sp>
+        <p:nvSpPr>
+          <p:cNvPr id="3" name="Rectangle 2">
+            <a:extLst>
+              <a:ext uri="{FF2B5EF4-FFF2-40B4-BE49-F238E27FC236}">
+                <a16:creationId xmlns:a16="http://schemas.microsoft.com/office/drawing/2014/main" id="{6FEB9996-7348-4D0A-88FC-9F9B8F2C3F88}"/>
+              </a:ext>
+            </a:extLst>
+          </p:cNvPr>
+          <p:cNvSpPr/>
+          <p:nvPr/>
+        </p:nvSpPr>
+        <p:spPr>
+          <a:xfrm>
+            <a:off x="7460401" y="6023888"/>
+            <a:ext cx="2139454" cy="461665"/>
+          </a:xfrm>
+          <a:prstGeom prst="rect">
+            <a:avLst/>
+          </a:prstGeom>
+        </p:spPr>
+        <p:txBody>
+          <a:bodyPr wrap="square">
+            <a:spAutoFit/>
+          </a:bodyPr>
+          <a:lstStyle/>
+          <a:p>
+            <a:r>
+              <a:rPr lang="en-US" sz="1200">
+                <a:solidFill>
+                  <a:srgbClr val="0070C0"/>
+                </a:solidFill>
+              </a:rPr>
+              <a:t>Instantiating CommandResult Object with Keywords History</a:t>
+            </a:r>
           </a:p>
         </p:txBody>
       </p:sp>
